--- a/PresentacionSSL.pptx
+++ b/PresentacionSSL.pptx
@@ -6,24 +6,26 @@
   </p:sldMasterIdLst>
   <p:sldIdLst>
     <p:sldId id="256" r:id="rId2"/>
-    <p:sldId id="257" r:id="rId3"/>
-    <p:sldId id="258" r:id="rId4"/>
-    <p:sldId id="259" r:id="rId5"/>
-    <p:sldId id="260" r:id="rId6"/>
-    <p:sldId id="261" r:id="rId7"/>
-    <p:sldId id="264" r:id="rId8"/>
-    <p:sldId id="262" r:id="rId9"/>
-    <p:sldId id="263" r:id="rId10"/>
-    <p:sldId id="265" r:id="rId11"/>
-    <p:sldId id="266" r:id="rId12"/>
+    <p:sldId id="275" r:id="rId3"/>
+    <p:sldId id="257" r:id="rId4"/>
+    <p:sldId id="258" r:id="rId5"/>
+    <p:sldId id="259" r:id="rId6"/>
+    <p:sldId id="260" r:id="rId7"/>
+    <p:sldId id="261" r:id="rId8"/>
+    <p:sldId id="264" r:id="rId9"/>
+    <p:sldId id="262" r:id="rId10"/>
+    <p:sldId id="263" r:id="rId11"/>
+    <p:sldId id="265" r:id="rId12"/>
     <p:sldId id="267" r:id="rId13"/>
-    <p:sldId id="268" r:id="rId14"/>
-    <p:sldId id="269" r:id="rId15"/>
-    <p:sldId id="270" r:id="rId16"/>
-    <p:sldId id="271" r:id="rId17"/>
-    <p:sldId id="274" r:id="rId18"/>
-    <p:sldId id="272" r:id="rId19"/>
-    <p:sldId id="273" r:id="rId20"/>
+    <p:sldId id="276" r:id="rId14"/>
+    <p:sldId id="266" r:id="rId15"/>
+    <p:sldId id="268" r:id="rId16"/>
+    <p:sldId id="269" r:id="rId17"/>
+    <p:sldId id="270" r:id="rId18"/>
+    <p:sldId id="271" r:id="rId19"/>
+    <p:sldId id="274" r:id="rId20"/>
+    <p:sldId id="272" r:id="rId21"/>
+    <p:sldId id="273" r:id="rId22"/>
   </p:sldIdLst>
   <p:sldSz cx="9144000" cy="6858000" type="screen4x3"/>
   <p:notesSz cx="6858000" cy="9144000"/>
@@ -142,11 +144,11 @@
 </file>
 
 <file path=ppt/diagrams/colors1.xml><?xml version="1.0" encoding="utf-8"?>
-<dgm:colorsDef xmlns:dgm="http://schemas.openxmlformats.org/drawingml/2006/diagram" xmlns:a="http://schemas.openxmlformats.org/drawingml/2006/main" uniqueId="urn:microsoft.com/office/officeart/2005/8/colors/accent1_2">
+<dgm:colorsDef xmlns:dgm="http://schemas.openxmlformats.org/drawingml/2006/diagram" xmlns:a="http://schemas.openxmlformats.org/drawingml/2006/main" uniqueId="urn:microsoft.com/office/officeart/2005/8/colors/colorful2">
   <dgm:title val=""/>
   <dgm:desc val=""/>
   <dgm:catLst>
-    <dgm:cat type="accent1" pri="11200"/>
+    <dgm:cat type="colorful" pri="10200"/>
   </dgm:catLst>
   <dgm:styleLbl name="node0">
     <dgm:fillClrLst meth="repeat">
@@ -160,21 +162,10 @@
     <dgm:txFillClrLst/>
     <dgm:txEffectClrLst/>
   </dgm:styleLbl>
-  <dgm:styleLbl name="alignNode1">
-    <dgm:fillClrLst meth="repeat">
-      <a:schemeClr val="accent1"/>
-    </dgm:fillClrLst>
-    <dgm:linClrLst meth="repeat">
-      <a:schemeClr val="accent1"/>
-    </dgm:linClrLst>
-    <dgm:effectClrLst/>
-    <dgm:txLinClrLst/>
-    <dgm:txFillClrLst/>
-    <dgm:txEffectClrLst/>
-  </dgm:styleLbl>
   <dgm:styleLbl name="node1">
-    <dgm:fillClrLst meth="repeat">
-      <a:schemeClr val="accent1"/>
+    <dgm:fillClrLst>
+      <a:schemeClr val="accent2"/>
+      <a:schemeClr val="accent3"/>
     </dgm:fillClrLst>
     <dgm:linClrLst meth="repeat">
       <a:schemeClr val="lt1"/>
@@ -184,9 +175,24 @@
     <dgm:txFillClrLst/>
     <dgm:txEffectClrLst/>
   </dgm:styleLbl>
+  <dgm:styleLbl name="alignNode1">
+    <dgm:fillClrLst>
+      <a:schemeClr val="accent2"/>
+      <a:schemeClr val="accent3"/>
+    </dgm:fillClrLst>
+    <dgm:linClrLst>
+      <a:schemeClr val="accent2"/>
+      <a:schemeClr val="accent3"/>
+    </dgm:linClrLst>
+    <dgm:effectClrLst/>
+    <dgm:txLinClrLst/>
+    <dgm:txFillClrLst/>
+    <dgm:txEffectClrLst/>
+  </dgm:styleLbl>
   <dgm:styleLbl name="lnNode1">
-    <dgm:fillClrLst meth="repeat">
-      <a:schemeClr val="accent1"/>
+    <dgm:fillClrLst>
+      <a:schemeClr val="accent2"/>
+      <a:schemeClr val="accent3"/>
     </dgm:fillClrLst>
     <dgm:linClrLst meth="repeat">
       <a:schemeClr val="lt1"/>
@@ -197,8 +203,11 @@
     <dgm:txEffectClrLst/>
   </dgm:styleLbl>
   <dgm:styleLbl name="vennNode1">
-    <dgm:fillClrLst meth="repeat">
-      <a:schemeClr val="accent1">
+    <dgm:fillClrLst>
+      <a:schemeClr val="accent2">
+        <a:alpha val="50000"/>
+      </a:schemeClr>
+      <a:schemeClr val="accent3">
         <a:alpha val="50000"/>
       </a:schemeClr>
     </dgm:fillClrLst>
@@ -211,8 +220,8 @@
     <dgm:txEffectClrLst/>
   </dgm:styleLbl>
   <dgm:styleLbl name="node2">
-    <dgm:fillClrLst meth="repeat">
-      <a:schemeClr val="accent1"/>
+    <dgm:fillClrLst>
+      <a:schemeClr val="accent3"/>
     </dgm:fillClrLst>
     <dgm:linClrLst meth="repeat">
       <a:schemeClr val="lt1"/>
@@ -223,8 +232,8 @@
     <dgm:txEffectClrLst/>
   </dgm:styleLbl>
   <dgm:styleLbl name="node3">
-    <dgm:fillClrLst meth="repeat">
-      <a:schemeClr val="accent1"/>
+    <dgm:fillClrLst>
+      <a:schemeClr val="accent4"/>
     </dgm:fillClrLst>
     <dgm:linClrLst meth="repeat">
       <a:schemeClr val="lt1"/>
@@ -235,8 +244,8 @@
     <dgm:txEffectClrLst/>
   </dgm:styleLbl>
   <dgm:styleLbl name="node4">
-    <dgm:fillClrLst meth="repeat">
-      <a:schemeClr val="accent1"/>
+    <dgm:fillClrLst>
+      <a:schemeClr val="accent5"/>
     </dgm:fillClrLst>
     <dgm:linClrLst meth="repeat">
       <a:schemeClr val="lt1"/>
@@ -247,8 +256,11 @@
     <dgm:txEffectClrLst/>
   </dgm:styleLbl>
   <dgm:styleLbl name="fgImgPlace1">
-    <dgm:fillClrLst meth="repeat">
-      <a:schemeClr val="accent1">
+    <dgm:fillClrLst>
+      <a:schemeClr val="accent2">
+        <a:tint val="50000"/>
+      </a:schemeClr>
+      <a:schemeClr val="accent3">
         <a:tint val="50000"/>
       </a:schemeClr>
     </dgm:fillClrLst>
@@ -263,9 +275,12 @@
     <dgm:txEffectClrLst/>
   </dgm:styleLbl>
   <dgm:styleLbl name="alignImgPlace1">
-    <dgm:fillClrLst meth="repeat">
-      <a:schemeClr val="accent1">
+    <dgm:fillClrLst>
+      <a:schemeClr val="accent2">
         <a:tint val="50000"/>
+      </a:schemeClr>
+      <a:schemeClr val="accent3">
+        <a:tint val="20000"/>
       </a:schemeClr>
     </dgm:fillClrLst>
     <dgm:linClrLst meth="repeat">
@@ -279,9 +294,12 @@
     <dgm:txEffectClrLst/>
   </dgm:styleLbl>
   <dgm:styleLbl name="bgImgPlace1">
-    <dgm:fillClrLst meth="repeat">
-      <a:schemeClr val="accent1">
+    <dgm:fillClrLst>
+      <a:schemeClr val="accent2">
         <a:tint val="50000"/>
+      </a:schemeClr>
+      <a:schemeClr val="accent3">
+        <a:tint val="20000"/>
       </a:schemeClr>
     </dgm:fillClrLst>
     <dgm:linClrLst meth="repeat">
@@ -295,15 +313,12 @@
     <dgm:txEffectClrLst/>
   </dgm:styleLbl>
   <dgm:styleLbl name="sibTrans2D1">
-    <dgm:fillClrLst meth="repeat">
-      <a:schemeClr val="accent1">
-        <a:tint val="60000"/>
-      </a:schemeClr>
+    <dgm:fillClrLst>
+      <a:schemeClr val="accent2"/>
+      <a:schemeClr val="accent3"/>
     </dgm:fillClrLst>
     <dgm:linClrLst meth="repeat">
-      <a:schemeClr val="accent1">
-        <a:tint val="60000"/>
-      </a:schemeClr>
+      <a:schemeClr val="lt1"/>
     </dgm:linClrLst>
     <dgm:effectClrLst/>
     <dgm:txLinClrLst/>
@@ -311,43 +326,40 @@
     <dgm:txEffectClrLst/>
   </dgm:styleLbl>
   <dgm:styleLbl name="fgSibTrans2D1">
-    <dgm:fillClrLst meth="repeat">
-      <a:schemeClr val="accent1">
-        <a:tint val="60000"/>
-      </a:schemeClr>
+    <dgm:fillClrLst>
+      <a:schemeClr val="accent2"/>
+      <a:schemeClr val="accent3"/>
     </dgm:fillClrLst>
     <dgm:linClrLst meth="repeat">
-      <a:schemeClr val="accent1">
-        <a:tint val="60000"/>
-      </a:schemeClr>
+      <a:schemeClr val="lt1"/>
     </dgm:linClrLst>
     <dgm:effectClrLst/>
     <dgm:txLinClrLst/>
-    <dgm:txFillClrLst/>
+    <dgm:txFillClrLst meth="repeat">
+      <a:schemeClr val="lt1"/>
+    </dgm:txFillClrLst>
     <dgm:txEffectClrLst/>
   </dgm:styleLbl>
   <dgm:styleLbl name="bgSibTrans2D1">
-    <dgm:fillClrLst meth="repeat">
-      <a:schemeClr val="accent1">
-        <a:tint val="60000"/>
-      </a:schemeClr>
+    <dgm:fillClrLst>
+      <a:schemeClr val="accent2"/>
+      <a:schemeClr val="accent3"/>
     </dgm:fillClrLst>
     <dgm:linClrLst meth="repeat">
-      <a:schemeClr val="accent1">
-        <a:tint val="60000"/>
-      </a:schemeClr>
+      <a:schemeClr val="lt1"/>
     </dgm:linClrLst>
     <dgm:effectClrLst/>
     <dgm:txLinClrLst/>
-    <dgm:txFillClrLst/>
+    <dgm:txFillClrLst meth="repeat">
+      <a:schemeClr val="lt1"/>
+    </dgm:txFillClrLst>
     <dgm:txEffectClrLst/>
   </dgm:styleLbl>
   <dgm:styleLbl name="sibTrans1D1">
-    <dgm:fillClrLst meth="repeat">
-      <a:schemeClr val="accent1"/>
-    </dgm:fillClrLst>
-    <dgm:linClrLst meth="repeat">
-      <a:schemeClr val="accent1"/>
+    <dgm:fillClrLst/>
+    <dgm:linClrLst>
+      <a:schemeClr val="accent2"/>
+      <a:schemeClr val="accent3"/>
     </dgm:linClrLst>
     <dgm:effectClrLst/>
     <dgm:txLinClrLst/>
@@ -358,10 +370,10 @@
   </dgm:styleLbl>
   <dgm:styleLbl name="callout">
     <dgm:fillClrLst meth="repeat">
-      <a:schemeClr val="accent1"/>
+      <a:schemeClr val="accent2"/>
     </dgm:fillClrLst>
     <dgm:linClrLst meth="repeat">
-      <a:schemeClr val="accent1">
+      <a:schemeClr val="accent2">
         <a:tint val="50000"/>
       </a:schemeClr>
     </dgm:linClrLst>
@@ -374,10 +386,12 @@
   </dgm:styleLbl>
   <dgm:styleLbl name="asst0">
     <dgm:fillClrLst meth="repeat">
-      <a:schemeClr val="accent1"/>
+      <a:schemeClr val="accent2"/>
     </dgm:fillClrLst>
     <dgm:linClrLst meth="repeat">
-      <a:schemeClr val="lt1"/>
+      <a:schemeClr val="lt1">
+        <a:shade val="80000"/>
+      </a:schemeClr>
     </dgm:linClrLst>
     <dgm:effectClrLst/>
     <dgm:txLinClrLst/>
@@ -386,10 +400,12 @@
   </dgm:styleLbl>
   <dgm:styleLbl name="asst1">
     <dgm:fillClrLst meth="repeat">
-      <a:schemeClr val="accent1"/>
+      <a:schemeClr val="accent3"/>
     </dgm:fillClrLst>
     <dgm:linClrLst meth="repeat">
-      <a:schemeClr val="lt1"/>
+      <a:schemeClr val="lt1">
+        <a:shade val="80000"/>
+      </a:schemeClr>
     </dgm:linClrLst>
     <dgm:effectClrLst/>
     <dgm:txLinClrLst/>
@@ -397,8 +413,8 @@
     <dgm:txEffectClrLst/>
   </dgm:styleLbl>
   <dgm:styleLbl name="asst2">
-    <dgm:fillClrLst meth="repeat">
-      <a:schemeClr val="accent1"/>
+    <dgm:fillClrLst>
+      <a:schemeClr val="accent4"/>
     </dgm:fillClrLst>
     <dgm:linClrLst meth="repeat">
       <a:schemeClr val="lt1"/>
@@ -409,8 +425,8 @@
     <dgm:txEffectClrLst/>
   </dgm:styleLbl>
   <dgm:styleLbl name="asst3">
-    <dgm:fillClrLst meth="repeat">
-      <a:schemeClr val="accent1"/>
+    <dgm:fillClrLst>
+      <a:schemeClr val="accent5"/>
     </dgm:fillClrLst>
     <dgm:linClrLst meth="repeat">
       <a:schemeClr val="lt1"/>
@@ -421,8 +437,8 @@
     <dgm:txEffectClrLst/>
   </dgm:styleLbl>
   <dgm:styleLbl name="asst4">
-    <dgm:fillClrLst meth="repeat">
-      <a:schemeClr val="accent1"/>
+    <dgm:fillClrLst>
+      <a:schemeClr val="accent6"/>
     </dgm:fillClrLst>
     <dgm:linClrLst meth="repeat">
       <a:schemeClr val="lt1"/>
@@ -434,14 +450,10 @@
   </dgm:styleLbl>
   <dgm:styleLbl name="parChTrans2D1">
     <dgm:fillClrLst meth="repeat">
-      <a:schemeClr val="accent1">
-        <a:tint val="60000"/>
-      </a:schemeClr>
+      <a:schemeClr val="accent2"/>
     </dgm:fillClrLst>
     <dgm:linClrLst meth="repeat">
-      <a:schemeClr val="accent1">
-        <a:tint val="60000"/>
-      </a:schemeClr>
+      <a:schemeClr val="lt1"/>
     </dgm:linClrLst>
     <dgm:effectClrLst/>
     <dgm:txLinClrLst/>
@@ -452,38 +464,34 @@
   </dgm:styleLbl>
   <dgm:styleLbl name="parChTrans2D2">
     <dgm:fillClrLst meth="repeat">
-      <a:schemeClr val="accent1"/>
+      <a:schemeClr val="accent3"/>
     </dgm:fillClrLst>
     <dgm:linClrLst meth="repeat">
-      <a:schemeClr val="accent1"/>
+      <a:schemeClr val="lt1"/>
     </dgm:linClrLst>
     <dgm:effectClrLst/>
     <dgm:txLinClrLst/>
-    <dgm:txFillClrLst meth="repeat">
-      <a:schemeClr val="lt1"/>
-    </dgm:txFillClrLst>
+    <dgm:txFillClrLst/>
     <dgm:txEffectClrLst/>
   </dgm:styleLbl>
   <dgm:styleLbl name="parChTrans2D3">
     <dgm:fillClrLst meth="repeat">
-      <a:schemeClr val="accent1"/>
+      <a:schemeClr val="accent4"/>
     </dgm:fillClrLst>
     <dgm:linClrLst meth="repeat">
-      <a:schemeClr val="accent1"/>
+      <a:schemeClr val="lt1"/>
     </dgm:linClrLst>
     <dgm:effectClrLst/>
     <dgm:txLinClrLst/>
-    <dgm:txFillClrLst meth="repeat">
-      <a:schemeClr val="lt1"/>
-    </dgm:txFillClrLst>
+    <dgm:txFillClrLst/>
     <dgm:txEffectClrLst/>
   </dgm:styleLbl>
   <dgm:styleLbl name="parChTrans2D4">
     <dgm:fillClrLst meth="repeat">
-      <a:schemeClr val="accent1"/>
+      <a:schemeClr val="accent5"/>
     </dgm:fillClrLst>
     <dgm:linClrLst meth="repeat">
-      <a:schemeClr val="accent1"/>
+      <a:schemeClr val="lt1"/>
     </dgm:linClrLst>
     <dgm:effectClrLst/>
     <dgm:txLinClrLst/>
@@ -494,12 +502,10 @@
   </dgm:styleLbl>
   <dgm:styleLbl name="parChTrans1D1">
     <dgm:fillClrLst meth="repeat">
-      <a:schemeClr val="accent1"/>
+      <a:schemeClr val="accent2"/>
     </dgm:fillClrLst>
     <dgm:linClrLst meth="repeat">
-      <a:schemeClr val="accent1">
-        <a:shade val="60000"/>
-      </a:schemeClr>
+      <a:schemeClr val="accent2"/>
     </dgm:linClrLst>
     <dgm:effectClrLst/>
     <dgm:txLinClrLst/>
@@ -510,12 +516,12 @@
   </dgm:styleLbl>
   <dgm:styleLbl name="parChTrans1D2">
     <dgm:fillClrLst meth="repeat">
-      <a:schemeClr val="accent1"/>
+      <a:schemeClr val="accent2">
+        <a:tint val="90000"/>
+      </a:schemeClr>
     </dgm:fillClrLst>
     <dgm:linClrLst meth="repeat">
-      <a:schemeClr val="accent1">
-        <a:shade val="60000"/>
-      </a:schemeClr>
+      <a:schemeClr val="accent3"/>
     </dgm:linClrLst>
     <dgm:effectClrLst/>
     <dgm:txLinClrLst/>
@@ -526,12 +532,12 @@
   </dgm:styleLbl>
   <dgm:styleLbl name="parChTrans1D3">
     <dgm:fillClrLst meth="repeat">
-      <a:schemeClr val="accent1"/>
+      <a:schemeClr val="accent2">
+        <a:tint val="70000"/>
+      </a:schemeClr>
     </dgm:fillClrLst>
     <dgm:linClrLst meth="repeat">
-      <a:schemeClr val="accent1">
-        <a:shade val="80000"/>
-      </a:schemeClr>
+      <a:schemeClr val="accent4"/>
     </dgm:linClrLst>
     <dgm:effectClrLst/>
     <dgm:txLinClrLst/>
@@ -542,12 +548,12 @@
   </dgm:styleLbl>
   <dgm:styleLbl name="parChTrans1D4">
     <dgm:fillClrLst meth="repeat">
-      <a:schemeClr val="accent1"/>
+      <a:schemeClr val="accent2">
+        <a:tint val="50000"/>
+      </a:schemeClr>
     </dgm:fillClrLst>
     <dgm:linClrLst meth="repeat">
-      <a:schemeClr val="accent1">
-        <a:shade val="80000"/>
-      </a:schemeClr>
+      <a:schemeClr val="accent5"/>
     </dgm:linClrLst>
     <dgm:effectClrLst/>
     <dgm:txLinClrLst/>
@@ -562,8 +568,9 @@
         <a:alpha val="90000"/>
       </a:schemeClr>
     </dgm:fillClrLst>
-    <dgm:linClrLst meth="repeat">
-      <a:schemeClr val="accent1"/>
+    <dgm:linClrLst>
+      <a:schemeClr val="accent2"/>
+      <a:schemeClr val="accent3"/>
     </dgm:linClrLst>
     <dgm:effectClrLst/>
     <dgm:txLinClrLst/>
@@ -578,8 +585,9 @@
         <a:alpha val="90000"/>
       </a:schemeClr>
     </dgm:fillClrLst>
-    <dgm:linClrLst meth="repeat">
-      <a:schemeClr val="accent1"/>
+    <dgm:linClrLst>
+      <a:schemeClr val="accent2"/>
+      <a:schemeClr val="accent3"/>
     </dgm:linClrLst>
     <dgm:effectClrLst/>
     <dgm:txLinClrLst/>
@@ -594,8 +602,9 @@
         <a:alpha val="90000"/>
       </a:schemeClr>
     </dgm:fillClrLst>
-    <dgm:linClrLst meth="repeat">
-      <a:schemeClr val="accent1"/>
+    <dgm:linClrLst>
+      <a:schemeClr val="accent2"/>
+      <a:schemeClr val="accent3"/>
     </dgm:linClrLst>
     <dgm:effectClrLst/>
     <dgm:txLinClrLst/>
@@ -611,7 +620,7 @@
       </a:schemeClr>
     </dgm:fillClrLst>
     <dgm:linClrLst meth="repeat">
-      <a:schemeClr val="accent1"/>
+      <a:schemeClr val="accent2"/>
     </dgm:linClrLst>
     <dgm:effectClrLst/>
     <dgm:txLinClrLst/>
@@ -626,8 +635,9 @@
         <a:alpha val="90000"/>
       </a:schemeClr>
     </dgm:fillClrLst>
-    <dgm:linClrLst meth="repeat">
-      <a:schemeClr val="accent1"/>
+    <dgm:linClrLst>
+      <a:schemeClr val="accent2"/>
+      <a:schemeClr val="accent3"/>
     </dgm:linClrLst>
     <dgm:effectClrLst/>
     <dgm:txLinClrLst/>
@@ -640,8 +650,9 @@
     <dgm:fillClrLst meth="repeat">
       <a:schemeClr val="lt1"/>
     </dgm:fillClrLst>
-    <dgm:linClrLst meth="repeat">
-      <a:schemeClr val="accent1"/>
+    <dgm:linClrLst>
+      <a:schemeClr val="accent2"/>
+      <a:schemeClr val="accent3"/>
     </dgm:linClrLst>
     <dgm:effectClrLst/>
     <dgm:txLinClrLst/>
@@ -654,8 +665,9 @@
     <dgm:fillClrLst meth="repeat">
       <a:schemeClr val="lt1"/>
     </dgm:fillClrLst>
-    <dgm:linClrLst meth="repeat">
-      <a:schemeClr val="accent1"/>
+    <dgm:linClrLst>
+      <a:schemeClr val="accent2"/>
+      <a:schemeClr val="accent3"/>
     </dgm:linClrLst>
     <dgm:effectClrLst/>
     <dgm:txLinClrLst/>
@@ -668,8 +680,9 @@
     <dgm:fillClrLst meth="repeat">
       <a:schemeClr val="lt1"/>
     </dgm:fillClrLst>
-    <dgm:linClrLst meth="repeat">
-      <a:schemeClr val="accent1"/>
+    <dgm:linClrLst>
+      <a:schemeClr val="accent2"/>
+      <a:schemeClr val="accent3"/>
     </dgm:linClrLst>
     <dgm:effectClrLst/>
     <dgm:txLinClrLst/>
@@ -679,16 +692,24 @@
     <dgm:txEffectClrLst/>
   </dgm:styleLbl>
   <dgm:styleLbl name="fgAccFollowNode1">
-    <dgm:fillClrLst meth="repeat">
-      <a:schemeClr val="accent1">
+    <dgm:fillClrLst>
+      <a:schemeClr val="accent2">
+        <a:tint val="40000"/>
         <a:alpha val="90000"/>
+      </a:schemeClr>
+      <a:schemeClr val="accent3">
         <a:tint val="40000"/>
+        <a:alpha val="90000"/>
       </a:schemeClr>
     </dgm:fillClrLst>
-    <dgm:linClrLst meth="repeat">
-      <a:schemeClr val="accent1">
+    <dgm:linClrLst>
+      <a:schemeClr val="accent2">
+        <a:tint val="40000"/>
         <a:alpha val="90000"/>
+      </a:schemeClr>
+      <a:schemeClr val="accent3">
         <a:tint val="40000"/>
+        <a:alpha val="90000"/>
       </a:schemeClr>
     </dgm:linClrLst>
     <dgm:effectClrLst/>
@@ -699,16 +720,24 @@
     <dgm:txEffectClrLst/>
   </dgm:styleLbl>
   <dgm:styleLbl name="alignAccFollowNode1">
-    <dgm:fillClrLst meth="repeat">
-      <a:schemeClr val="accent1">
+    <dgm:fillClrLst>
+      <a:schemeClr val="accent2">
+        <a:tint val="40000"/>
         <a:alpha val="90000"/>
+      </a:schemeClr>
+      <a:schemeClr val="accent3">
         <a:tint val="40000"/>
+        <a:alpha val="90000"/>
       </a:schemeClr>
     </dgm:fillClrLst>
-    <dgm:linClrLst meth="repeat">
-      <a:schemeClr val="accent1">
+    <dgm:linClrLst>
+      <a:schemeClr val="accent2">
+        <a:tint val="40000"/>
         <a:alpha val="90000"/>
+      </a:schemeClr>
+      <a:schemeClr val="accent3">
         <a:tint val="40000"/>
+        <a:alpha val="90000"/>
       </a:schemeClr>
     </dgm:linClrLst>
     <dgm:effectClrLst/>
@@ -719,16 +748,24 @@
     <dgm:txEffectClrLst/>
   </dgm:styleLbl>
   <dgm:styleLbl name="bgAccFollowNode1">
-    <dgm:fillClrLst meth="repeat">
-      <a:schemeClr val="accent1">
+    <dgm:fillClrLst>
+      <a:schemeClr val="accent2">
+        <a:tint val="40000"/>
         <a:alpha val="90000"/>
+      </a:schemeClr>
+      <a:schemeClr val="accent3">
         <a:tint val="40000"/>
+        <a:alpha val="90000"/>
       </a:schemeClr>
     </dgm:fillClrLst>
-    <dgm:linClrLst meth="repeat">
-      <a:schemeClr val="accent1">
+    <dgm:linClrLst>
+      <a:schemeClr val="accent2">
+        <a:tint val="40000"/>
         <a:alpha val="90000"/>
+      </a:schemeClr>
+      <a:schemeClr val="accent3">
         <a:tint val="40000"/>
+        <a:alpha val="90000"/>
       </a:schemeClr>
     </dgm:linClrLst>
     <dgm:effectClrLst/>
@@ -744,7 +781,7 @@
         <a:alpha val="90000"/>
       </a:schemeClr>
     </dgm:fillClrLst>
-    <dgm:linClrLst meth="repeat">
+    <dgm:linClrLst>
       <a:schemeClr val="accent1"/>
     </dgm:linClrLst>
     <dgm:effectClrLst/>
@@ -760,8 +797,8 @@
         <a:alpha val="90000"/>
       </a:schemeClr>
     </dgm:fillClrLst>
-    <dgm:linClrLst meth="repeat">
-      <a:schemeClr val="accent1"/>
+    <dgm:linClrLst>
+      <a:schemeClr val="accent3"/>
     </dgm:linClrLst>
     <dgm:effectClrLst/>
     <dgm:txLinClrLst/>
@@ -776,8 +813,8 @@
         <a:alpha val="90000"/>
       </a:schemeClr>
     </dgm:fillClrLst>
-    <dgm:linClrLst meth="repeat">
-      <a:schemeClr val="accent1"/>
+    <dgm:linClrLst>
+      <a:schemeClr val="accent4"/>
     </dgm:linClrLst>
     <dgm:effectClrLst/>
     <dgm:txLinClrLst/>
@@ -792,8 +829,8 @@
         <a:alpha val="90000"/>
       </a:schemeClr>
     </dgm:fillClrLst>
-    <dgm:linClrLst meth="repeat">
-      <a:schemeClr val="accent1"/>
+    <dgm:linClrLst>
+      <a:schemeClr val="accent5"/>
     </dgm:linClrLst>
     <dgm:effectClrLst/>
     <dgm:txLinClrLst/>
@@ -804,12 +841,12 @@
   </dgm:styleLbl>
   <dgm:styleLbl name="bgShp">
     <dgm:fillClrLst meth="repeat">
-      <a:schemeClr val="accent1">
+      <a:schemeClr val="accent2">
         <a:tint val="40000"/>
       </a:schemeClr>
     </dgm:fillClrLst>
     <dgm:linClrLst meth="repeat">
-      <a:schemeClr val="accent1"/>
+      <a:schemeClr val="dk1"/>
     </dgm:linClrLst>
     <dgm:effectClrLst/>
     <dgm:txLinClrLst/>
@@ -820,12 +857,12 @@
   </dgm:styleLbl>
   <dgm:styleLbl name="dkBgShp">
     <dgm:fillClrLst meth="repeat">
-      <a:schemeClr val="accent1">
-        <a:shade val="80000"/>
+      <a:schemeClr val="accent2">
+        <a:shade val="90000"/>
       </a:schemeClr>
     </dgm:fillClrLst>
     <dgm:linClrLst meth="repeat">
-      <a:schemeClr val="accent1"/>
+      <a:schemeClr val="dk1"/>
     </dgm:linClrLst>
     <dgm:effectClrLst/>
     <dgm:txLinClrLst/>
@@ -836,13 +873,13 @@
   </dgm:styleLbl>
   <dgm:styleLbl name="trBgShp">
     <dgm:fillClrLst meth="repeat">
-      <a:schemeClr val="accent1">
+      <a:schemeClr val="accent2">
         <a:tint val="50000"/>
         <a:alpha val="40000"/>
       </a:schemeClr>
     </dgm:fillClrLst>
     <dgm:linClrLst meth="repeat">
-      <a:schemeClr val="accent1"/>
+      <a:schemeClr val="accent2"/>
     </dgm:linClrLst>
     <dgm:effectClrLst/>
     <dgm:txLinClrLst/>
@@ -853,8 +890,8 @@
   </dgm:styleLbl>
   <dgm:styleLbl name="fgShp">
     <dgm:fillClrLst meth="repeat">
-      <a:schemeClr val="accent1">
-        <a:tint val="60000"/>
+      <a:schemeClr val="accent2">
+        <a:tint val="40000"/>
       </a:schemeClr>
     </dgm:fillClrLst>
     <dgm:linClrLst meth="repeat">
@@ -892,7 +929,7 @@
 <dgm:dataModel xmlns:dgm="http://schemas.openxmlformats.org/drawingml/2006/diagram" xmlns:a="http://schemas.openxmlformats.org/drawingml/2006/main">
   <dgm:ptLst>
     <dgm:pt modelId="{42AB2753-BA90-4F57-83FC-E4CBB66A88EA}" type="doc">
-      <dgm:prSet loTypeId="urn:microsoft.com/office/officeart/2005/8/layout/process4" loCatId="list" qsTypeId="urn:microsoft.com/office/officeart/2005/8/quickstyle/simple1" qsCatId="simple" csTypeId="urn:microsoft.com/office/officeart/2005/8/colors/accent1_2" csCatId="accent1" phldr="1"/>
+      <dgm:prSet loTypeId="urn:microsoft.com/office/officeart/2005/8/layout/process4" loCatId="list" qsTypeId="urn:microsoft.com/office/officeart/2005/8/quickstyle/simple1" qsCatId="simple" csTypeId="urn:microsoft.com/office/officeart/2005/8/colors/colorful2" csCatId="colorful" phldr="1"/>
       <dgm:spPr/>
       <dgm:t>
         <a:bodyPr/>
@@ -1253,6 +1290,13 @@
     <dgm:pt modelId="{F8B7337B-0B7F-49AB-9364-6A7F4291578F}" type="pres">
       <dgm:prSet presAssocID="{7B920C16-617F-4044-AC74-B59ECF97D409}" presName="boxAndChildren" presStyleCnt="0"/>
       <dgm:spPr/>
+      <dgm:t>
+        <a:bodyPr/>
+        <a:lstStyle/>
+        <a:p>
+          <a:endParaRPr lang="es-AR"/>
+        </a:p>
+      </dgm:t>
     </dgm:pt>
     <dgm:pt modelId="{55D077A3-19A9-41EC-BB76-5256D9E6A4DE}" type="pres">
       <dgm:prSet presAssocID="{7B920C16-617F-4044-AC74-B59ECF97D409}" presName="parentTextBox" presStyleLbl="node1" presStyleIdx="0" presStyleCnt="3"/>
@@ -1279,6 +1323,13 @@
     <dgm:pt modelId="{4B4EC6CD-6A12-4ED9-A2F5-3734EE30F311}" type="pres">
       <dgm:prSet presAssocID="{7B920C16-617F-4044-AC74-B59ECF97D409}" presName="descendantBox" presStyleCnt="0"/>
       <dgm:spPr/>
+      <dgm:t>
+        <a:bodyPr/>
+        <a:lstStyle/>
+        <a:p>
+          <a:endParaRPr lang="es-AR"/>
+        </a:p>
+      </dgm:t>
     </dgm:pt>
     <dgm:pt modelId="{A33FAAAD-46E3-4DD7-8E30-7A81B0194E47}" type="pres">
       <dgm:prSet presAssocID="{B2F13A49-961E-4303-B705-650AFC04ADDC}" presName="childTextBox" presStyleLbl="fgAccFollowNode1" presStyleIdx="0" presStyleCnt="4">
@@ -1313,10 +1364,24 @@
     <dgm:pt modelId="{27F21125-CDB5-479C-877C-F7C18E6D06E7}" type="pres">
       <dgm:prSet presAssocID="{6503D430-6D09-4E14-960C-0E9182DC2FC3}" presName="sp" presStyleCnt="0"/>
       <dgm:spPr/>
+      <dgm:t>
+        <a:bodyPr/>
+        <a:lstStyle/>
+        <a:p>
+          <a:endParaRPr lang="es-AR"/>
+        </a:p>
+      </dgm:t>
     </dgm:pt>
     <dgm:pt modelId="{BC144750-532B-4626-A3B8-A6D87897DEC6}" type="pres">
       <dgm:prSet presAssocID="{6EB5017E-4FBB-45DE-AFE5-FE50F2457C62}" presName="arrowAndChildren" presStyleCnt="0"/>
       <dgm:spPr/>
+      <dgm:t>
+        <a:bodyPr/>
+        <a:lstStyle/>
+        <a:p>
+          <a:endParaRPr lang="es-AR"/>
+        </a:p>
+      </dgm:t>
     </dgm:pt>
     <dgm:pt modelId="{1B3382D0-37DA-411A-8CB7-226D682B707B}" type="pres">
       <dgm:prSet presAssocID="{6EB5017E-4FBB-45DE-AFE5-FE50F2457C62}" presName="parentTextArrow" presStyleLbl="node1" presStyleIdx="1" presStyleCnt="3"/>
@@ -1332,10 +1397,24 @@
     <dgm:pt modelId="{1731697B-44E8-4561-A5D9-C44BAEFEBC3C}" type="pres">
       <dgm:prSet presAssocID="{F673CA30-5E9E-4412-9A46-E9C4D9913BCA}" presName="sp" presStyleCnt="0"/>
       <dgm:spPr/>
+      <dgm:t>
+        <a:bodyPr/>
+        <a:lstStyle/>
+        <a:p>
+          <a:endParaRPr lang="es-AR"/>
+        </a:p>
+      </dgm:t>
     </dgm:pt>
     <dgm:pt modelId="{B578E248-F2F3-410A-88A2-33984C423AA5}" type="pres">
       <dgm:prSet presAssocID="{45A12BE1-7F5F-4923-AEA1-58C4A62F9E23}" presName="arrowAndChildren" presStyleCnt="0"/>
       <dgm:spPr/>
+      <dgm:t>
+        <a:bodyPr/>
+        <a:lstStyle/>
+        <a:p>
+          <a:endParaRPr lang="es-AR"/>
+        </a:p>
+      </dgm:t>
     </dgm:pt>
     <dgm:pt modelId="{77723428-69A6-4061-8134-E0838CB63D7B}" type="pres">
       <dgm:prSet presAssocID="{45A12BE1-7F5F-4923-AEA1-58C4A62F9E23}" presName="parentTextArrow" presStyleLbl="node1" presStyleIdx="1" presStyleCnt="3"/>
@@ -1362,6 +1441,13 @@
     <dgm:pt modelId="{702A3E41-9F97-4A1A-A5AD-19F08DA2D410}" type="pres">
       <dgm:prSet presAssocID="{45A12BE1-7F5F-4923-AEA1-58C4A62F9E23}" presName="descendantArrow" presStyleCnt="0"/>
       <dgm:spPr/>
+      <dgm:t>
+        <a:bodyPr/>
+        <a:lstStyle/>
+        <a:p>
+          <a:endParaRPr lang="es-AR"/>
+        </a:p>
+      </dgm:t>
     </dgm:pt>
     <dgm:pt modelId="{5CD04173-D951-4F1F-BA38-9061E72CB324}" type="pres">
       <dgm:prSet presAssocID="{9C7CCAE3-677F-437A-B6E1-CB74562C9466}" presName="childTextArrow" presStyleLbl="fgAccFollowNode1" presStyleIdx="2" presStyleCnt="4">
@@ -1447,6 +1533,625 @@
       <dsp:cNvGrpSpPr/>
     </dsp:nvGrpSpPr>
     <dsp:grpSpPr/>
+    <dsp:sp modelId="{64181604-D2AC-4E16-928F-00DB689297F4}">
+      <dsp:nvSpPr>
+        <dsp:cNvPr id="0" name=""/>
+        <dsp:cNvSpPr/>
+      </dsp:nvSpPr>
+      <dsp:spPr>
+        <a:xfrm>
+          <a:off x="0" y="3059187"/>
+          <a:ext cx="6096000" cy="1004093"/>
+        </a:xfrm>
+        <a:prstGeom prst="rect">
+          <a:avLst/>
+        </a:prstGeom>
+        <a:solidFill>
+          <a:schemeClr val="accent2">
+            <a:hueOff val="0"/>
+            <a:satOff val="0"/>
+            <a:lumOff val="0"/>
+            <a:alphaOff val="0"/>
+          </a:schemeClr>
+        </a:solidFill>
+        <a:ln w="25400" cap="flat" cmpd="sng" algn="ctr">
+          <a:solidFill>
+            <a:schemeClr val="lt1">
+              <a:hueOff val="0"/>
+              <a:satOff val="0"/>
+              <a:lumOff val="0"/>
+              <a:alphaOff val="0"/>
+            </a:schemeClr>
+          </a:solidFill>
+          <a:prstDash val="solid"/>
+        </a:ln>
+        <a:effectLst/>
+      </dsp:spPr>
+      <dsp:style>
+        <a:lnRef idx="2">
+          <a:scrgbClr r="0" g="0" b="0"/>
+        </a:lnRef>
+        <a:fillRef idx="1">
+          <a:scrgbClr r="0" g="0" b="0"/>
+        </a:fillRef>
+        <a:effectRef idx="0">
+          <a:scrgbClr r="0" g="0" b="0"/>
+        </a:effectRef>
+        <a:fontRef idx="minor">
+          <a:schemeClr val="lt1"/>
+        </a:fontRef>
+      </dsp:style>
+      <dsp:txBody>
+        <a:bodyPr spcFirstLastPara="0" vert="horz" wrap="square" lIns="135128" tIns="135128" rIns="135128" bIns="135128" numCol="1" spcCol="1270" anchor="ctr" anchorCtr="0">
+          <a:noAutofit/>
+        </a:bodyPr>
+        <a:lstStyle/>
+        <a:p>
+          <a:pPr lvl="0" algn="ctr" defTabSz="844550">
+            <a:lnSpc>
+              <a:spcPct val="90000"/>
+            </a:lnSpc>
+            <a:spcBef>
+              <a:spcPct val="0"/>
+            </a:spcBef>
+            <a:spcAft>
+              <a:spcPct val="35000"/>
+            </a:spcAft>
+          </a:pPr>
+          <a:r>
+            <a:rPr lang="es-ES" sz="1900" kern="1200" dirty="0" smtClean="0"/>
+            <a:t>Server</a:t>
+          </a:r>
+          <a:endParaRPr lang="es-ES" sz="1900" kern="1200" dirty="0"/>
+        </a:p>
+      </dsp:txBody>
+      <dsp:txXfrm>
+        <a:off x="0" y="3059187"/>
+        <a:ext cx="6096000" cy="542210"/>
+      </dsp:txXfrm>
+    </dsp:sp>
+    <dsp:sp modelId="{A33FAAAD-46E3-4DD7-8E30-7A81B0194E47}">
+      <dsp:nvSpPr>
+        <dsp:cNvPr id="0" name=""/>
+        <dsp:cNvSpPr/>
+      </dsp:nvSpPr>
+      <dsp:spPr>
+        <a:xfrm>
+          <a:off x="0" y="3581316"/>
+          <a:ext cx="3047999" cy="461883"/>
+        </a:xfrm>
+        <a:prstGeom prst="rect">
+          <a:avLst/>
+        </a:prstGeom>
+        <a:solidFill>
+          <a:schemeClr val="accent2">
+            <a:tint val="40000"/>
+            <a:alpha val="90000"/>
+            <a:hueOff val="0"/>
+            <a:satOff val="0"/>
+            <a:lumOff val="0"/>
+            <a:alphaOff val="0"/>
+          </a:schemeClr>
+        </a:solidFill>
+        <a:ln w="25400" cap="flat" cmpd="sng" algn="ctr">
+          <a:solidFill>
+            <a:schemeClr val="accent2">
+              <a:tint val="40000"/>
+              <a:alpha val="90000"/>
+              <a:hueOff val="0"/>
+              <a:satOff val="0"/>
+              <a:lumOff val="0"/>
+              <a:alphaOff val="0"/>
+            </a:schemeClr>
+          </a:solidFill>
+          <a:prstDash val="solid"/>
+        </a:ln>
+        <a:effectLst/>
+      </dsp:spPr>
+      <dsp:style>
+        <a:lnRef idx="2">
+          <a:scrgbClr r="0" g="0" b="0"/>
+        </a:lnRef>
+        <a:fillRef idx="1">
+          <a:scrgbClr r="0" g="0" b="0"/>
+        </a:fillRef>
+        <a:effectRef idx="0">
+          <a:scrgbClr r="0" g="0" b="0"/>
+        </a:effectRef>
+        <a:fontRef idx="minor"/>
+      </dsp:style>
+      <dsp:txBody>
+        <a:bodyPr spcFirstLastPara="0" vert="horz" wrap="square" lIns="163576" tIns="29210" rIns="163576" bIns="29210" numCol="1" spcCol="1270" anchor="ctr" anchorCtr="0">
+          <a:noAutofit/>
+        </a:bodyPr>
+        <a:lstStyle/>
+        <a:p>
+          <a:pPr lvl="0" algn="ctr" defTabSz="1022350">
+            <a:lnSpc>
+              <a:spcPct val="90000"/>
+            </a:lnSpc>
+            <a:spcBef>
+              <a:spcPct val="0"/>
+            </a:spcBef>
+            <a:spcAft>
+              <a:spcPct val="35000"/>
+            </a:spcAft>
+          </a:pPr>
+          <a:r>
+            <a:rPr lang="es-ES" sz="2300" kern="1200" dirty="0" err="1" smtClean="0"/>
+            <a:t>Verify</a:t>
+          </a:r>
+          <a:r>
+            <a:rPr lang="es-ES" sz="2300" kern="1200" dirty="0" smtClean="0"/>
+            <a:t> </a:t>
+          </a:r>
+          <a:r>
+            <a:rPr lang="es-ES" sz="2300" kern="1200" dirty="0" err="1" smtClean="0"/>
+            <a:t>sign</a:t>
+          </a:r>
+          <a:r>
+            <a:rPr lang="es-ES" sz="2300" kern="1200" dirty="0" smtClean="0"/>
+            <a:t> </a:t>
+          </a:r>
+          <a:r>
+            <a:rPr lang="es-ES" sz="2300" kern="1200" dirty="0" err="1" smtClean="0"/>
+            <a:t>with</a:t>
+          </a:r>
+          <a:r>
+            <a:rPr lang="es-ES" sz="2300" kern="1200" dirty="0" smtClean="0"/>
+            <a:t> </a:t>
+          </a:r>
+          <a:r>
+            <a:rPr lang="es-ES" sz="2300" kern="1200" dirty="0" err="1" smtClean="0"/>
+            <a:t>public</a:t>
+          </a:r>
+          <a:endParaRPr lang="es-ES" sz="2300" kern="1200" dirty="0"/>
+        </a:p>
+      </dsp:txBody>
+      <dsp:txXfrm>
+        <a:off x="0" y="3581316"/>
+        <a:ext cx="3047999" cy="461883"/>
+      </dsp:txXfrm>
+    </dsp:sp>
+    <dsp:sp modelId="{19AB83D8-1962-4642-BA0E-7C8A3EC710F6}">
+      <dsp:nvSpPr>
+        <dsp:cNvPr id="0" name=""/>
+        <dsp:cNvSpPr/>
+      </dsp:nvSpPr>
+      <dsp:spPr>
+        <a:xfrm>
+          <a:off x="3048000" y="3581316"/>
+          <a:ext cx="3047999" cy="461883"/>
+        </a:xfrm>
+        <a:prstGeom prst="rect">
+          <a:avLst/>
+        </a:prstGeom>
+        <a:solidFill>
+          <a:schemeClr val="accent2">
+            <a:tint val="40000"/>
+            <a:alpha val="90000"/>
+            <a:hueOff val="1675274"/>
+            <a:satOff val="-1459"/>
+            <a:lumOff val="-2"/>
+            <a:alphaOff val="0"/>
+          </a:schemeClr>
+        </a:solidFill>
+        <a:ln w="25400" cap="flat" cmpd="sng" algn="ctr">
+          <a:solidFill>
+            <a:schemeClr val="accent2">
+              <a:tint val="40000"/>
+              <a:alpha val="90000"/>
+              <a:hueOff val="1675274"/>
+              <a:satOff val="-1459"/>
+              <a:lumOff val="-2"/>
+              <a:alphaOff val="0"/>
+            </a:schemeClr>
+          </a:solidFill>
+          <a:prstDash val="solid"/>
+        </a:ln>
+        <a:effectLst/>
+      </dsp:spPr>
+      <dsp:style>
+        <a:lnRef idx="2">
+          <a:scrgbClr r="0" g="0" b="0"/>
+        </a:lnRef>
+        <a:fillRef idx="1">
+          <a:scrgbClr r="0" g="0" b="0"/>
+        </a:fillRef>
+        <a:effectRef idx="0">
+          <a:scrgbClr r="0" g="0" b="0"/>
+        </a:effectRef>
+        <a:fontRef idx="minor"/>
+      </dsp:style>
+      <dsp:txBody>
+        <a:bodyPr spcFirstLastPara="0" vert="horz" wrap="square" lIns="163576" tIns="29210" rIns="163576" bIns="29210" numCol="1" spcCol="1270" anchor="ctr" anchorCtr="0">
+          <a:noAutofit/>
+        </a:bodyPr>
+        <a:lstStyle/>
+        <a:p>
+          <a:pPr lvl="0" algn="ctr" defTabSz="1022350">
+            <a:lnSpc>
+              <a:spcPct val="90000"/>
+            </a:lnSpc>
+            <a:spcBef>
+              <a:spcPct val="0"/>
+            </a:spcBef>
+            <a:spcAft>
+              <a:spcPct val="35000"/>
+            </a:spcAft>
+          </a:pPr>
+          <a:r>
+            <a:rPr lang="es-ES" sz="2300" kern="1200" dirty="0" err="1" smtClean="0"/>
+            <a:t>Decrypt</a:t>
+          </a:r>
+          <a:r>
+            <a:rPr lang="es-ES" sz="2300" kern="1200" dirty="0" smtClean="0"/>
+            <a:t> </a:t>
+          </a:r>
+          <a:r>
+            <a:rPr lang="es-ES" sz="2300" kern="1200" dirty="0" err="1" smtClean="0"/>
+            <a:t>with</a:t>
+          </a:r>
+          <a:r>
+            <a:rPr lang="es-ES" sz="2300" kern="1200" dirty="0" smtClean="0"/>
+            <a:t> </a:t>
+          </a:r>
+          <a:r>
+            <a:rPr lang="es-ES" sz="2300" kern="1200" dirty="0" err="1" smtClean="0"/>
+            <a:t>private</a:t>
+          </a:r>
+          <a:endParaRPr lang="es-ES" sz="2300" kern="1200" dirty="0"/>
+        </a:p>
+      </dsp:txBody>
+      <dsp:txXfrm>
+        <a:off x="3048000" y="3581316"/>
+        <a:ext cx="3047999" cy="461883"/>
+      </dsp:txXfrm>
+    </dsp:sp>
+    <dsp:sp modelId="{1B3382D0-37DA-411A-8CB7-226D682B707B}">
+      <dsp:nvSpPr>
+        <dsp:cNvPr id="0" name=""/>
+        <dsp:cNvSpPr/>
+      </dsp:nvSpPr>
+      <dsp:spPr>
+        <a:xfrm rot="10800000">
+          <a:off x="0" y="1529953"/>
+          <a:ext cx="6096000" cy="1544296"/>
+        </a:xfrm>
+        <a:prstGeom prst="upArrowCallout">
+          <a:avLst/>
+        </a:prstGeom>
+        <a:solidFill>
+          <a:schemeClr val="accent2">
+            <a:hueOff val="2340759"/>
+            <a:satOff val="-2919"/>
+            <a:lumOff val="686"/>
+            <a:alphaOff val="0"/>
+          </a:schemeClr>
+        </a:solidFill>
+        <a:ln w="25400" cap="flat" cmpd="sng" algn="ctr">
+          <a:solidFill>
+            <a:schemeClr val="lt1">
+              <a:hueOff val="0"/>
+              <a:satOff val="0"/>
+              <a:lumOff val="0"/>
+              <a:alphaOff val="0"/>
+            </a:schemeClr>
+          </a:solidFill>
+          <a:prstDash val="solid"/>
+        </a:ln>
+        <a:effectLst/>
+      </dsp:spPr>
+      <dsp:style>
+        <a:lnRef idx="2">
+          <a:scrgbClr r="0" g="0" b="0"/>
+        </a:lnRef>
+        <a:fillRef idx="1">
+          <a:scrgbClr r="0" g="0" b="0"/>
+        </a:fillRef>
+        <a:effectRef idx="0">
+          <a:scrgbClr r="0" g="0" b="0"/>
+        </a:effectRef>
+        <a:fontRef idx="minor">
+          <a:schemeClr val="lt1"/>
+        </a:fontRef>
+      </dsp:style>
+      <dsp:txBody>
+        <a:bodyPr spcFirstLastPara="0" vert="horz" wrap="square" lIns="135128" tIns="135128" rIns="135128" bIns="135128" numCol="1" spcCol="1270" anchor="ctr" anchorCtr="0">
+          <a:noAutofit/>
+        </a:bodyPr>
+        <a:lstStyle/>
+        <a:p>
+          <a:pPr lvl="0" algn="ctr" defTabSz="844550">
+            <a:lnSpc>
+              <a:spcPct val="90000"/>
+            </a:lnSpc>
+            <a:spcBef>
+              <a:spcPct val="0"/>
+            </a:spcBef>
+            <a:spcAft>
+              <a:spcPct val="35000"/>
+            </a:spcAft>
+          </a:pPr>
+          <a:r>
+            <a:rPr lang="es-ES" sz="1900" kern="1200" dirty="0" smtClean="0"/>
+            <a:t>Transfer Data</a:t>
+          </a:r>
+          <a:endParaRPr lang="es-ES" sz="1900" kern="1200" dirty="0"/>
+        </a:p>
+      </dsp:txBody>
+      <dsp:txXfrm rot="10800000">
+        <a:off x="0" y="1529953"/>
+        <a:ext cx="6096000" cy="1003437"/>
+      </dsp:txXfrm>
+    </dsp:sp>
+    <dsp:sp modelId="{AB122D43-7F13-4B98-956E-497A75F3C195}">
+      <dsp:nvSpPr>
+        <dsp:cNvPr id="0" name=""/>
+        <dsp:cNvSpPr/>
+      </dsp:nvSpPr>
+      <dsp:spPr>
+        <a:xfrm rot="10800000">
+          <a:off x="0" y="718"/>
+          <a:ext cx="6096000" cy="1544296"/>
+        </a:xfrm>
+        <a:prstGeom prst="upArrowCallout">
+          <a:avLst/>
+        </a:prstGeom>
+        <a:solidFill>
+          <a:schemeClr val="accent2">
+            <a:hueOff val="4681519"/>
+            <a:satOff val="-5839"/>
+            <a:lumOff val="1373"/>
+            <a:alphaOff val="0"/>
+          </a:schemeClr>
+        </a:solidFill>
+        <a:ln w="25400" cap="flat" cmpd="sng" algn="ctr">
+          <a:solidFill>
+            <a:schemeClr val="lt1">
+              <a:hueOff val="0"/>
+              <a:satOff val="0"/>
+              <a:lumOff val="0"/>
+              <a:alphaOff val="0"/>
+            </a:schemeClr>
+          </a:solidFill>
+          <a:prstDash val="solid"/>
+        </a:ln>
+        <a:effectLst/>
+      </dsp:spPr>
+      <dsp:style>
+        <a:lnRef idx="2">
+          <a:scrgbClr r="0" g="0" b="0"/>
+        </a:lnRef>
+        <a:fillRef idx="1">
+          <a:scrgbClr r="0" g="0" b="0"/>
+        </a:fillRef>
+        <a:effectRef idx="0">
+          <a:scrgbClr r="0" g="0" b="0"/>
+        </a:effectRef>
+        <a:fontRef idx="minor">
+          <a:schemeClr val="lt1"/>
+        </a:fontRef>
+      </dsp:style>
+      <dsp:txBody>
+        <a:bodyPr spcFirstLastPara="0" vert="horz" wrap="square" lIns="135128" tIns="135128" rIns="135128" bIns="135128" numCol="1" spcCol="1270" anchor="ctr" anchorCtr="0">
+          <a:noAutofit/>
+        </a:bodyPr>
+        <a:lstStyle/>
+        <a:p>
+          <a:pPr lvl="0" algn="ctr" defTabSz="844550">
+            <a:lnSpc>
+              <a:spcPct val="90000"/>
+            </a:lnSpc>
+            <a:spcBef>
+              <a:spcPct val="0"/>
+            </a:spcBef>
+            <a:spcAft>
+              <a:spcPct val="35000"/>
+            </a:spcAft>
+          </a:pPr>
+          <a:r>
+            <a:rPr lang="es-ES" sz="1900" kern="1200" dirty="0" err="1" smtClean="0"/>
+            <a:t>Client</a:t>
+          </a:r>
+          <a:endParaRPr lang="es-ES" sz="1900" kern="1200" dirty="0"/>
+        </a:p>
+      </dsp:txBody>
+      <dsp:txXfrm rot="-10800000">
+        <a:off x="0" y="718"/>
+        <a:ext cx="6096000" cy="542047"/>
+      </dsp:txXfrm>
+    </dsp:sp>
+    <dsp:sp modelId="{5CD04173-D951-4F1F-BA38-9061E72CB324}">
+      <dsp:nvSpPr>
+        <dsp:cNvPr id="0" name=""/>
+        <dsp:cNvSpPr/>
+      </dsp:nvSpPr>
+      <dsp:spPr>
+        <a:xfrm>
+          <a:off x="0" y="542766"/>
+          <a:ext cx="3047999" cy="461744"/>
+        </a:xfrm>
+        <a:prstGeom prst="rect">
+          <a:avLst/>
+        </a:prstGeom>
+        <a:solidFill>
+          <a:schemeClr val="accent2">
+            <a:tint val="40000"/>
+            <a:alpha val="90000"/>
+            <a:hueOff val="3350547"/>
+            <a:satOff val="-2919"/>
+            <a:lumOff val="-4"/>
+            <a:alphaOff val="0"/>
+          </a:schemeClr>
+        </a:solidFill>
+        <a:ln w="25400" cap="flat" cmpd="sng" algn="ctr">
+          <a:solidFill>
+            <a:schemeClr val="accent2">
+              <a:tint val="40000"/>
+              <a:alpha val="90000"/>
+              <a:hueOff val="3350547"/>
+              <a:satOff val="-2919"/>
+              <a:lumOff val="-4"/>
+              <a:alphaOff val="0"/>
+            </a:schemeClr>
+          </a:solidFill>
+          <a:prstDash val="solid"/>
+        </a:ln>
+        <a:effectLst/>
+      </dsp:spPr>
+      <dsp:style>
+        <a:lnRef idx="2">
+          <a:scrgbClr r="0" g="0" b="0"/>
+        </a:lnRef>
+        <a:fillRef idx="1">
+          <a:scrgbClr r="0" g="0" b="0"/>
+        </a:fillRef>
+        <a:effectRef idx="0">
+          <a:scrgbClr r="0" g="0" b="0"/>
+        </a:effectRef>
+        <a:fontRef idx="minor"/>
+      </dsp:style>
+      <dsp:txBody>
+        <a:bodyPr spcFirstLastPara="0" vert="horz" wrap="square" lIns="163576" tIns="29210" rIns="163576" bIns="29210" numCol="1" spcCol="1270" anchor="ctr" anchorCtr="0">
+          <a:noAutofit/>
+        </a:bodyPr>
+        <a:lstStyle/>
+        <a:p>
+          <a:pPr lvl="0" algn="ctr" defTabSz="1022350">
+            <a:lnSpc>
+              <a:spcPct val="90000"/>
+            </a:lnSpc>
+            <a:spcBef>
+              <a:spcPct val="0"/>
+            </a:spcBef>
+            <a:spcAft>
+              <a:spcPct val="35000"/>
+            </a:spcAft>
+          </a:pPr>
+          <a:r>
+            <a:rPr lang="es-ES" sz="2300" kern="1200" dirty="0" err="1" smtClean="0"/>
+            <a:t>Sign</a:t>
+          </a:r>
+          <a:r>
+            <a:rPr lang="es-ES" sz="2300" kern="1200" dirty="0" smtClean="0"/>
+            <a:t> </a:t>
+          </a:r>
+          <a:r>
+            <a:rPr lang="es-ES" sz="2300" kern="1200" dirty="0" err="1" smtClean="0"/>
+            <a:t>with</a:t>
+          </a:r>
+          <a:r>
+            <a:rPr lang="es-ES" sz="2300" kern="1200" dirty="0" smtClean="0"/>
+            <a:t> </a:t>
+          </a:r>
+          <a:r>
+            <a:rPr lang="es-ES" sz="2300" kern="1200" dirty="0" err="1" smtClean="0"/>
+            <a:t>private</a:t>
+          </a:r>
+          <a:endParaRPr lang="es-ES" sz="2300" kern="1200" dirty="0"/>
+        </a:p>
+      </dsp:txBody>
+      <dsp:txXfrm>
+        <a:off x="0" y="542766"/>
+        <a:ext cx="3047999" cy="461744"/>
+      </dsp:txXfrm>
+    </dsp:sp>
+    <dsp:sp modelId="{4C5C28CA-E171-4EB6-9A37-E4566812007F}">
+      <dsp:nvSpPr>
+        <dsp:cNvPr id="0" name=""/>
+        <dsp:cNvSpPr/>
+      </dsp:nvSpPr>
+      <dsp:spPr>
+        <a:xfrm>
+          <a:off x="3048000" y="542766"/>
+          <a:ext cx="3047999" cy="461744"/>
+        </a:xfrm>
+        <a:prstGeom prst="rect">
+          <a:avLst/>
+        </a:prstGeom>
+        <a:solidFill>
+          <a:schemeClr val="accent2">
+            <a:tint val="40000"/>
+            <a:alpha val="90000"/>
+            <a:hueOff val="5025821"/>
+            <a:satOff val="-4378"/>
+            <a:lumOff val="-6"/>
+            <a:alphaOff val="0"/>
+          </a:schemeClr>
+        </a:solidFill>
+        <a:ln w="25400" cap="flat" cmpd="sng" algn="ctr">
+          <a:solidFill>
+            <a:schemeClr val="accent2">
+              <a:tint val="40000"/>
+              <a:alpha val="90000"/>
+              <a:hueOff val="5025821"/>
+              <a:satOff val="-4378"/>
+              <a:lumOff val="-6"/>
+              <a:alphaOff val="0"/>
+            </a:schemeClr>
+          </a:solidFill>
+          <a:prstDash val="solid"/>
+        </a:ln>
+        <a:effectLst/>
+      </dsp:spPr>
+      <dsp:style>
+        <a:lnRef idx="2">
+          <a:scrgbClr r="0" g="0" b="0"/>
+        </a:lnRef>
+        <a:fillRef idx="1">
+          <a:scrgbClr r="0" g="0" b="0"/>
+        </a:fillRef>
+        <a:effectRef idx="0">
+          <a:scrgbClr r="0" g="0" b="0"/>
+        </a:effectRef>
+        <a:fontRef idx="minor"/>
+      </dsp:style>
+      <dsp:txBody>
+        <a:bodyPr spcFirstLastPara="0" vert="horz" wrap="square" lIns="163576" tIns="29210" rIns="163576" bIns="29210" numCol="1" spcCol="1270" anchor="ctr" anchorCtr="0">
+          <a:noAutofit/>
+        </a:bodyPr>
+        <a:lstStyle/>
+        <a:p>
+          <a:pPr lvl="0" algn="ctr" defTabSz="1022350">
+            <a:lnSpc>
+              <a:spcPct val="90000"/>
+            </a:lnSpc>
+            <a:spcBef>
+              <a:spcPct val="0"/>
+            </a:spcBef>
+            <a:spcAft>
+              <a:spcPct val="35000"/>
+            </a:spcAft>
+          </a:pPr>
+          <a:r>
+            <a:rPr lang="es-ES" sz="2300" kern="1200" dirty="0" err="1" smtClean="0"/>
+            <a:t>Encrypt</a:t>
+          </a:r>
+          <a:r>
+            <a:rPr lang="es-ES" sz="2300" kern="1200" dirty="0" smtClean="0"/>
+            <a:t> </a:t>
+          </a:r>
+          <a:r>
+            <a:rPr lang="es-ES" sz="2300" kern="1200" dirty="0" err="1" smtClean="0"/>
+            <a:t>with</a:t>
+          </a:r>
+          <a:r>
+            <a:rPr lang="es-ES" sz="2300" kern="1200" dirty="0" smtClean="0"/>
+            <a:t> </a:t>
+          </a:r>
+          <a:r>
+            <a:rPr lang="es-ES" sz="2300" kern="1200" dirty="0" err="1" smtClean="0"/>
+            <a:t>public</a:t>
+          </a:r>
+          <a:endParaRPr lang="es-ES" sz="2300" kern="1200" dirty="0"/>
+        </a:p>
+      </dsp:txBody>
+      <dsp:txXfrm>
+        <a:off x="3048000" y="542766"/>
+        <a:ext cx="3047999" cy="461744"/>
+      </dsp:txXfrm>
+    </dsp:sp>
   </dsp:spTree>
 </dsp:drawing>
 </file>
@@ -3019,7 +3724,7 @@
           <a:p>
             <a:fld id="{FE8259E4-B9DF-4339-BB76-FDAE1DAEECF8}" type="datetimeFigureOut">
               <a:rPr lang="es-ES" smtClean="0"/>
-              <a:t>29/05/2023</a:t>
+              <a:t>01/06/2023</a:t>
             </a:fld>
             <a:endParaRPr lang="es-ES"/>
           </a:p>
@@ -3189,7 +3894,7 @@
           <a:p>
             <a:fld id="{FE8259E4-B9DF-4339-BB76-FDAE1DAEECF8}" type="datetimeFigureOut">
               <a:rPr lang="es-ES" smtClean="0"/>
-              <a:t>29/05/2023</a:t>
+              <a:t>01/06/2023</a:t>
             </a:fld>
             <a:endParaRPr lang="es-ES"/>
           </a:p>
@@ -3369,7 +4074,7 @@
           <a:p>
             <a:fld id="{FE8259E4-B9DF-4339-BB76-FDAE1DAEECF8}" type="datetimeFigureOut">
               <a:rPr lang="es-ES" smtClean="0"/>
-              <a:t>29/05/2023</a:t>
+              <a:t>01/06/2023</a:t>
             </a:fld>
             <a:endParaRPr lang="es-ES"/>
           </a:p>
@@ -3539,7 +4244,7 @@
           <a:p>
             <a:fld id="{FE8259E4-B9DF-4339-BB76-FDAE1DAEECF8}" type="datetimeFigureOut">
               <a:rPr lang="es-ES" smtClean="0"/>
-              <a:t>29/05/2023</a:t>
+              <a:t>01/06/2023</a:t>
             </a:fld>
             <a:endParaRPr lang="es-ES"/>
           </a:p>
@@ -3785,7 +4490,7 @@
           <a:p>
             <a:fld id="{FE8259E4-B9DF-4339-BB76-FDAE1DAEECF8}" type="datetimeFigureOut">
               <a:rPr lang="es-ES" smtClean="0"/>
-              <a:t>29/05/2023</a:t>
+              <a:t>01/06/2023</a:t>
             </a:fld>
             <a:endParaRPr lang="es-ES"/>
           </a:p>
@@ -4073,7 +4778,7 @@
           <a:p>
             <a:fld id="{FE8259E4-B9DF-4339-BB76-FDAE1DAEECF8}" type="datetimeFigureOut">
               <a:rPr lang="es-ES" smtClean="0"/>
-              <a:t>29/05/2023</a:t>
+              <a:t>01/06/2023</a:t>
             </a:fld>
             <a:endParaRPr lang="es-ES"/>
           </a:p>
@@ -4495,7 +5200,7 @@
           <a:p>
             <a:fld id="{FE8259E4-B9DF-4339-BB76-FDAE1DAEECF8}" type="datetimeFigureOut">
               <a:rPr lang="es-ES" smtClean="0"/>
-              <a:t>29/05/2023</a:t>
+              <a:t>01/06/2023</a:t>
             </a:fld>
             <a:endParaRPr lang="es-ES"/>
           </a:p>
@@ -4613,7 +5318,7 @@
           <a:p>
             <a:fld id="{FE8259E4-B9DF-4339-BB76-FDAE1DAEECF8}" type="datetimeFigureOut">
               <a:rPr lang="es-ES" smtClean="0"/>
-              <a:t>29/05/2023</a:t>
+              <a:t>01/06/2023</a:t>
             </a:fld>
             <a:endParaRPr lang="es-ES"/>
           </a:p>
@@ -4708,7 +5413,7 @@
           <a:p>
             <a:fld id="{FE8259E4-B9DF-4339-BB76-FDAE1DAEECF8}" type="datetimeFigureOut">
               <a:rPr lang="es-ES" smtClean="0"/>
-              <a:t>29/05/2023</a:t>
+              <a:t>01/06/2023</a:t>
             </a:fld>
             <a:endParaRPr lang="es-ES"/>
           </a:p>
@@ -4985,7 +5690,7 @@
           <a:p>
             <a:fld id="{FE8259E4-B9DF-4339-BB76-FDAE1DAEECF8}" type="datetimeFigureOut">
               <a:rPr lang="es-ES" smtClean="0"/>
-              <a:t>29/05/2023</a:t>
+              <a:t>01/06/2023</a:t>
             </a:fld>
             <a:endParaRPr lang="es-ES"/>
           </a:p>
@@ -5238,7 +5943,7 @@
           <a:p>
             <a:fld id="{FE8259E4-B9DF-4339-BB76-FDAE1DAEECF8}" type="datetimeFigureOut">
               <a:rPr lang="es-ES" smtClean="0"/>
-              <a:t>29/05/2023</a:t>
+              <a:t>01/06/2023</a:t>
             </a:fld>
             <a:endParaRPr lang="es-ES"/>
           </a:p>
@@ -5303,9 +6008,19 @@
 <p:sldMaster xmlns:a="http://schemas.openxmlformats.org/drawingml/2006/main" xmlns:r="http://schemas.openxmlformats.org/officeDocument/2006/relationships" xmlns:p="http://schemas.openxmlformats.org/presentationml/2006/main">
   <p:cSld>
     <p:bg>
-      <p:bgRef idx="1001">
-        <a:schemeClr val="bg1"/>
-      </p:bgRef>
+      <p:bgPr>
+        <a:blipFill dpi="0" rotWithShape="1">
+          <a:blip r:embed="rId13">
+            <a:alphaModFix amt="87000"/>
+            <a:lum/>
+          </a:blip>
+          <a:srcRect/>
+          <a:stretch>
+            <a:fillRect l="-17000" r="-17000"/>
+          </a:stretch>
+        </a:blipFill>
+        <a:effectLst/>
+      </p:bgPr>
     </p:bg>
     <p:spTree>
       <p:nvGrpSpPr>
@@ -5451,7 +6166,7 @@
           <a:p>
             <a:fld id="{FE8259E4-B9DF-4339-BB76-FDAE1DAEECF8}" type="datetimeFigureOut">
               <a:rPr lang="es-ES" smtClean="0"/>
-              <a:t>29/05/2023</a:t>
+              <a:t>01/06/2023</a:t>
             </a:fld>
             <a:endParaRPr lang="es-ES"/>
           </a:p>
@@ -5838,29 +6553,28 @@
         </p:nvSpPr>
         <p:spPr/>
         <p:txBody>
-          <a:bodyPr/>
+          <a:bodyPr>
+            <a:normAutofit/>
+          </a:bodyPr>
           <a:lstStyle/>
           <a:p>
-            <a:endParaRPr lang="es-ES"/>
-          </a:p>
-        </p:txBody>
-      </p:sp>
-      <p:sp>
-        <p:nvSpPr>
-          <p:cNvPr id="3" name="2 Subtítulo"/>
-          <p:cNvSpPr>
-            <a:spLocks noGrp="1"/>
-          </p:cNvSpPr>
-          <p:nvPr>
-            <p:ph type="subTitle" idx="1"/>
-          </p:nvPr>
-        </p:nvSpPr>
-        <p:spPr/>
-        <p:txBody>
-          <a:bodyPr/>
-          <a:lstStyle/>
-          <a:p>
-            <a:endParaRPr lang="es-ES"/>
+            <a:r>
+              <a:rPr lang="es-ES" sz="8800" b="1" dirty="0" err="1" smtClean="0"/>
+              <a:t>What</a:t>
+            </a:r>
+            <a:r>
+              <a:rPr lang="es-ES" sz="8800" b="1" dirty="0" smtClean="0"/>
+              <a:t> </a:t>
+            </a:r>
+            <a:r>
+              <a:rPr lang="es-ES" sz="8800" b="1" dirty="0" err="1" smtClean="0"/>
+              <a:t>Is</a:t>
+            </a:r>
+            <a:r>
+              <a:rPr lang="es-ES" sz="8800" b="1" dirty="0" smtClean="0"/>
+              <a:t> SSL?</a:t>
+            </a:r>
+            <a:endParaRPr lang="es-ES" sz="8800" b="1" dirty="0"/>
           </a:p>
         </p:txBody>
       </p:sp>
@@ -5874,6 +6588,13 @@
   <p:clrMapOvr>
     <a:masterClrMapping/>
   </p:clrMapOvr>
+  <p:timing>
+    <p:tnLst>
+      <p:par>
+        <p:cTn id="1" dur="indefinite" restart="never" nodeType="tmRoot"/>
+      </p:par>
+    </p:tnLst>
+  </p:timing>
 </p:sld>
 </file>
 
@@ -5915,12 +6636,12 @@
           <a:lstStyle/>
           <a:p>
             <a:r>
+              <a:rPr lang="es-ES" dirty="0" smtClean="0"/>
+              <a:t>Complete </a:t>
+            </a:r>
+            <a:r>
               <a:rPr lang="es-ES" dirty="0" err="1" smtClean="0"/>
-              <a:t>Certificates</a:t>
-            </a:r>
-            <a:r>
-              <a:rPr lang="es-ES" dirty="0" smtClean="0"/>
-              <a:t>?</a:t>
+              <a:t>process</a:t>
             </a:r>
             <a:endParaRPr lang="es-ES" dirty="0"/>
           </a:p>
@@ -5945,48 +6666,9 @@
           </a:p>
         </p:txBody>
       </p:sp>
-      <p:sp>
-        <p:nvSpPr>
-          <p:cNvPr id="4" name="AutoShape 2" descr="What Are The Different Types Of Certificate Formats? - The Sec Master"/>
-          <p:cNvSpPr>
-            <a:spLocks noChangeAspect="1" noChangeArrowheads="1"/>
-          </p:cNvSpPr>
-          <p:nvPr/>
-        </p:nvSpPr>
-        <p:spPr bwMode="auto">
-          <a:xfrm>
-            <a:off x="155575" y="-144463"/>
-            <a:ext cx="304800" cy="304801"/>
-          </a:xfrm>
-          <a:prstGeom prst="rect">
-            <a:avLst/>
-          </a:prstGeom>
-          <a:noFill/>
-          <a:extLst>
-            <a:ext uri="{909E8E84-426E-40DD-AFC4-6F175D3DCCD1}">
-              <a14:hiddenFill xmlns:a14="http://schemas.microsoft.com/office/drawing/2010/main">
-                <a:solidFill>
-                  <a:srgbClr val="FFFFFF"/>
-                </a:solidFill>
-              </a14:hiddenFill>
-            </a:ext>
-          </a:extLst>
-        </p:spPr>
-        <p:txBody>
-          <a:bodyPr vert="horz" wrap="square" lIns="91440" tIns="45720" rIns="91440" bIns="45720" numCol="1" anchor="t" anchorCtr="0" compatLnSpc="1">
-            <a:prstTxWarp prst="textNoShape">
-              <a:avLst/>
-            </a:prstTxWarp>
-          </a:bodyPr>
-          <a:lstStyle/>
-          <a:p>
-            <a:endParaRPr lang="es-ES"/>
-          </a:p>
-        </p:txBody>
-      </p:sp>
       <p:pic>
         <p:nvPicPr>
-          <p:cNvPr id="9219" name="Picture 3"/>
+          <p:cNvPr id="6145" name="Picture 1"/>
           <p:cNvPicPr>
             <a:picLocks noChangeAspect="1" noChangeArrowheads="1"/>
           </p:cNvPicPr>
@@ -6007,8 +6689,8 @@
         </p:blipFill>
         <p:spPr bwMode="auto">
           <a:xfrm>
-            <a:off x="4422" y="1716286"/>
-            <a:ext cx="9140825" cy="5141714"/>
+            <a:off x="1014408" y="1628800"/>
+            <a:ext cx="7124700" cy="5000625"/>
           </a:xfrm>
           <a:prstGeom prst="rect">
             <a:avLst/>
@@ -6051,7 +6733,7 @@
     </p:spTree>
     <p:extLst>
       <p:ext uri="{BB962C8B-B14F-4D97-AF65-F5344CB8AC3E}">
-        <p14:creationId xmlns:p14="http://schemas.microsoft.com/office/powerpoint/2010/main" val="3862269727"/>
+        <p14:creationId xmlns:p14="http://schemas.microsoft.com/office/powerpoint/2010/main" val="3621078399"/>
       </p:ext>
     </p:extLst>
   </p:cSld>
@@ -6119,6 +6801,25 @@
       </p:sp>
       <p:sp>
         <p:nvSpPr>
+          <p:cNvPr id="3" name="2 Subtítulo"/>
+          <p:cNvSpPr>
+            <a:spLocks noGrp="1"/>
+          </p:cNvSpPr>
+          <p:nvPr>
+            <p:ph type="subTitle" idx="1"/>
+          </p:nvPr>
+        </p:nvSpPr>
+        <p:spPr/>
+        <p:txBody>
+          <a:bodyPr/>
+          <a:lstStyle/>
+          <a:p>
+            <a:endParaRPr lang="es-ES"/>
+          </a:p>
+        </p:txBody>
+      </p:sp>
+      <p:sp>
+        <p:nvSpPr>
           <p:cNvPr id="4" name="AutoShape 2" descr="What Are The Different Types Of Certificate Formats? - The Sec Master"/>
           <p:cNvSpPr>
             <a:spLocks noChangeAspect="1" noChangeArrowheads="1"/>
@@ -6158,72 +6859,32 @@
       </p:sp>
       <p:pic>
         <p:nvPicPr>
-          <p:cNvPr id="10242" name="Picture 2"/>
+          <p:cNvPr id="5" name="Imagen 4"/>
           <p:cNvPicPr>
-            <a:picLocks noChangeAspect="1" noChangeArrowheads="1"/>
+            <a:picLocks noChangeAspect="1"/>
           </p:cNvPicPr>
           <p:nvPr/>
         </p:nvPicPr>
         <p:blipFill>
-          <a:blip r:embed="rId2">
-            <a:extLst>
-              <a:ext uri="{28A0092B-C50C-407E-A947-70E740481C1C}">
-                <a14:useLocalDpi xmlns:a14="http://schemas.microsoft.com/office/drawing/2010/main" val="0"/>
-              </a:ext>
-            </a:extLst>
-          </a:blip>
-          <a:srcRect/>
+          <a:blip r:embed="rId2"/>
           <a:stretch>
             <a:fillRect/>
           </a:stretch>
         </p:blipFill>
-        <p:spPr bwMode="auto">
+        <p:spPr>
           <a:xfrm>
-            <a:off x="323675" y="1988840"/>
-            <a:ext cx="8550206" cy="4452958"/>
+            <a:off x="2245097" y="1709737"/>
+            <a:ext cx="4505325" cy="4352925"/>
           </a:xfrm>
           <a:prstGeom prst="rect">
             <a:avLst/>
           </a:prstGeom>
-          <a:noFill/>
-          <a:ln>
-            <a:noFill/>
-          </a:ln>
-          <a:effectLst/>
-          <a:extLst>
-            <a:ext uri="{909E8E84-426E-40DD-AFC4-6F175D3DCCD1}">
-              <a14:hiddenFill xmlns:a14="http://schemas.microsoft.com/office/drawing/2010/main">
-                <a:solidFill>
-                  <a:schemeClr val="accent1"/>
-                </a:solidFill>
-              </a14:hiddenFill>
-            </a:ext>
-            <a:ext uri="{91240B29-F687-4F45-9708-019B960494DF}">
-              <a14:hiddenLine xmlns:a14="http://schemas.microsoft.com/office/drawing/2010/main" w="9525">
-                <a:solidFill>
-                  <a:schemeClr val="tx1"/>
-                </a:solidFill>
-                <a:miter lim="800000"/>
-                <a:headEnd/>
-                <a:tailEnd/>
-              </a14:hiddenLine>
-            </a:ext>
-            <a:ext uri="{AF507438-7753-43E0-B8FC-AC1667EBCBE1}">
-              <a14:hiddenEffects xmlns:a14="http://schemas.microsoft.com/office/drawing/2010/main">
-                <a:effectLst>
-                  <a:outerShdw dist="35921" dir="2700000" algn="ctr" rotWithShape="0">
-                    <a:schemeClr val="bg2"/>
-                  </a:outerShdw>
-                </a:effectLst>
-              </a14:hiddenEffects>
-            </a:ext>
-          </a:extLst>
         </p:spPr>
       </p:pic>
     </p:spTree>
     <p:extLst>
       <p:ext uri="{BB962C8B-B14F-4D97-AF65-F5344CB8AC3E}">
-        <p14:creationId xmlns:p14="http://schemas.microsoft.com/office/powerpoint/2010/main" val="1107695987"/>
+        <p14:creationId xmlns:p14="http://schemas.microsoft.com/office/powerpoint/2010/main" val="3862269727"/>
       </p:ext>
     </p:extLst>
   </p:cSld>
@@ -6291,7 +6952,19 @@
             </a:r>
             <a:r>
               <a:rPr lang="es-ES" dirty="0" smtClean="0"/>
-              <a:t> a </a:t>
+              <a:t> </a:t>
+            </a:r>
+            <a:r>
+              <a:rPr lang="es-ES" dirty="0" smtClean="0"/>
+              <a:t>a </a:t>
+            </a:r>
+            <a:r>
+              <a:rPr lang="es-ES" dirty="0" err="1" smtClean="0"/>
+              <a:t>valid</a:t>
+            </a:r>
+            <a:r>
+              <a:rPr lang="es-ES" dirty="0" smtClean="0"/>
+              <a:t> </a:t>
             </a:r>
             <a:r>
               <a:rPr lang="es-ES" dirty="0" err="1" smtClean="0"/>
@@ -6482,11 +7155,35 @@
           <a:p>
             <a:r>
               <a:rPr lang="es-ES" dirty="0" err="1" smtClean="0"/>
-              <a:t>Keytool</a:t>
+              <a:t>How</a:t>
             </a:r>
             <a:r>
               <a:rPr lang="es-ES" dirty="0" smtClean="0"/>
-              <a:t> in Java</a:t>
+              <a:t> </a:t>
+            </a:r>
+            <a:r>
+              <a:rPr lang="es-ES" dirty="0" err="1" smtClean="0"/>
+              <a:t>create</a:t>
+            </a:r>
+            <a:r>
+              <a:rPr lang="es-ES" dirty="0" smtClean="0"/>
+              <a:t> </a:t>
+            </a:r>
+            <a:r>
+              <a:rPr lang="es-ES" dirty="0" smtClean="0"/>
+              <a:t>a </a:t>
+            </a:r>
+            <a:r>
+              <a:rPr lang="es-ES" dirty="0" err="1" smtClean="0"/>
+              <a:t>valid</a:t>
+            </a:r>
+            <a:r>
+              <a:rPr lang="es-ES" dirty="0" smtClean="0"/>
+              <a:t> </a:t>
+            </a:r>
+            <a:r>
+              <a:rPr lang="es-ES" dirty="0" err="1" smtClean="0"/>
+              <a:t>certificate</a:t>
             </a:r>
             <a:endParaRPr lang="es-ES" dirty="0"/>
           </a:p>
@@ -6502,267 +7199,12 @@
             <p:ph type="subTitle" idx="1"/>
           </p:nvPr>
         </p:nvSpPr>
-        <p:spPr>
-          <a:xfrm>
-            <a:off x="611560" y="1628800"/>
-            <a:ext cx="8208912" cy="4968552"/>
-          </a:xfrm>
-        </p:spPr>
-        <p:txBody>
-          <a:bodyPr>
-            <a:normAutofit fontScale="55000" lnSpcReduction="20000"/>
-          </a:bodyPr>
+        <p:spPr/>
+        <p:txBody>
+          <a:bodyPr/>
           <a:lstStyle/>
           <a:p>
-            <a:pPr algn="l"/>
-            <a:r>
-              <a:rPr lang="en-US" dirty="0"/>
-              <a:t>C:\Program Files\Java\jdk-11.0.15\bin&gt;</a:t>
-            </a:r>
-            <a:r>
-              <a:rPr lang="en-US" dirty="0" err="1"/>
-              <a:t>keytool</a:t>
-            </a:r>
-            <a:r>
-              <a:rPr lang="en-US" dirty="0"/>
-              <a:t> -</a:t>
-            </a:r>
-            <a:r>
-              <a:rPr lang="en-US" dirty="0" err="1"/>
-              <a:t>genkey</a:t>
-            </a:r>
-            <a:r>
-              <a:rPr lang="en-US" dirty="0"/>
-              <a:t> -alias server -</a:t>
-            </a:r>
-            <a:r>
-              <a:rPr lang="en-US" dirty="0" err="1"/>
-              <a:t>keyalg</a:t>
-            </a:r>
-            <a:r>
-              <a:rPr lang="en-US" dirty="0"/>
-              <a:t> RSA -</a:t>
-            </a:r>
-            <a:r>
-              <a:rPr lang="en-US" dirty="0" err="1"/>
-              <a:t>keysize</a:t>
-            </a:r>
-            <a:r>
-              <a:rPr lang="en-US" dirty="0"/>
-              <a:t> 2048 -</a:t>
-            </a:r>
-            <a:r>
-              <a:rPr lang="en-US" dirty="0" err="1"/>
-              <a:t>keystore</a:t>
-            </a:r>
-            <a:r>
-              <a:rPr lang="en-US" dirty="0"/>
-              <a:t> </a:t>
-            </a:r>
-            <a:r>
-              <a:rPr lang="en-US" dirty="0" err="1"/>
-              <a:t>keystoreServer-keystore.jks</a:t>
-            </a:r>
-            <a:endParaRPr lang="en-US" dirty="0"/>
-          </a:p>
-          <a:p>
-            <a:pPr algn="l"/>
-            <a:r>
-              <a:rPr lang="en-US" dirty="0"/>
-              <a:t>Enter </a:t>
-            </a:r>
-            <a:r>
-              <a:rPr lang="en-US" dirty="0" err="1"/>
-              <a:t>keystore</a:t>
-            </a:r>
-            <a:r>
-              <a:rPr lang="en-US" dirty="0"/>
-              <a:t> password:</a:t>
-            </a:r>
-          </a:p>
-          <a:p>
-            <a:pPr algn="l"/>
-            <a:r>
-              <a:rPr lang="en-US" dirty="0"/>
-              <a:t>Re-enter new password:</a:t>
-            </a:r>
-          </a:p>
-          <a:p>
-            <a:pPr algn="l"/>
-            <a:r>
-              <a:rPr lang="en-US" dirty="0"/>
-              <a:t>What is your first and last name?</a:t>
-            </a:r>
-          </a:p>
-          <a:p>
-            <a:pPr algn="l"/>
-            <a:r>
-              <a:rPr lang="en-US" dirty="0"/>
-              <a:t>  [Unknown]:  </a:t>
-            </a:r>
-            <a:r>
-              <a:rPr lang="en-US" dirty="0" err="1"/>
-              <a:t>localhost</a:t>
-            </a:r>
-            <a:endParaRPr lang="en-US" dirty="0"/>
-          </a:p>
-          <a:p>
-            <a:pPr algn="l"/>
-            <a:r>
-              <a:rPr lang="en-US" dirty="0"/>
-              <a:t>What is the name of your organizational unit?</a:t>
-            </a:r>
-          </a:p>
-          <a:p>
-            <a:pPr algn="l"/>
-            <a:r>
-              <a:rPr lang="en-US" dirty="0"/>
-              <a:t>  [Unknown]:  </a:t>
-            </a:r>
-            <a:r>
-              <a:rPr lang="en-US" dirty="0" err="1"/>
-              <a:t>gti</a:t>
-            </a:r>
-            <a:endParaRPr lang="en-US" dirty="0"/>
-          </a:p>
-          <a:p>
-            <a:pPr algn="l"/>
-            <a:r>
-              <a:rPr lang="en-US" dirty="0"/>
-              <a:t>What is the name of your organization?</a:t>
-            </a:r>
-          </a:p>
-          <a:p>
-            <a:pPr algn="l"/>
-            <a:r>
-              <a:rPr lang="en-US" dirty="0"/>
-              <a:t>  [Unknown]:  </a:t>
-            </a:r>
-            <a:r>
-              <a:rPr lang="en-US" dirty="0" err="1"/>
-              <a:t>jp</a:t>
-            </a:r>
-            <a:endParaRPr lang="en-US" dirty="0"/>
-          </a:p>
-          <a:p>
-            <a:pPr algn="l"/>
-            <a:r>
-              <a:rPr lang="en-US" dirty="0"/>
-              <a:t>What is the name of your City or Locality?</a:t>
-            </a:r>
-          </a:p>
-          <a:p>
-            <a:pPr algn="l"/>
-            <a:r>
-              <a:rPr lang="en-US" dirty="0"/>
-              <a:t>  [Unknown]:  </a:t>
-            </a:r>
-            <a:r>
-              <a:rPr lang="en-US" dirty="0" err="1"/>
-              <a:t>caba</a:t>
-            </a:r>
-            <a:endParaRPr lang="en-US" dirty="0"/>
-          </a:p>
-          <a:p>
-            <a:pPr algn="l"/>
-            <a:r>
-              <a:rPr lang="en-US" dirty="0"/>
-              <a:t>What is the name of your State or Province?</a:t>
-            </a:r>
-          </a:p>
-          <a:p>
-            <a:pPr algn="l"/>
-            <a:r>
-              <a:rPr lang="en-US" dirty="0"/>
-              <a:t>  [Unknown]:  </a:t>
-            </a:r>
-            <a:r>
-              <a:rPr lang="en-US" dirty="0" err="1"/>
-              <a:t>bsas</a:t>
-            </a:r>
-            <a:endParaRPr lang="en-US" dirty="0"/>
-          </a:p>
-          <a:p>
-            <a:pPr algn="l"/>
-            <a:r>
-              <a:rPr lang="en-US" dirty="0"/>
-              <a:t>What is the two-letter country code for this unit?</a:t>
-            </a:r>
-          </a:p>
-          <a:p>
-            <a:pPr algn="l"/>
-            <a:r>
-              <a:rPr lang="en-US" dirty="0"/>
-              <a:t>  [Unknown]:  </a:t>
-            </a:r>
-            <a:r>
-              <a:rPr lang="en-US" dirty="0" err="1"/>
-              <a:t>ar</a:t>
-            </a:r>
-            <a:endParaRPr lang="en-US" dirty="0"/>
-          </a:p>
-          <a:p>
-            <a:pPr algn="l"/>
-            <a:r>
-              <a:rPr lang="en-US" dirty="0"/>
-              <a:t>Is CN=</a:t>
-            </a:r>
-            <a:r>
-              <a:rPr lang="en-US" dirty="0" err="1"/>
-              <a:t>localhost</a:t>
-            </a:r>
-            <a:r>
-              <a:rPr lang="en-US" dirty="0"/>
-              <a:t>, OU=</a:t>
-            </a:r>
-            <a:r>
-              <a:rPr lang="en-US" dirty="0" err="1"/>
-              <a:t>gti</a:t>
-            </a:r>
-            <a:r>
-              <a:rPr lang="en-US" dirty="0"/>
-              <a:t>, O=</a:t>
-            </a:r>
-            <a:r>
-              <a:rPr lang="en-US" dirty="0" err="1"/>
-              <a:t>jp</a:t>
-            </a:r>
-            <a:r>
-              <a:rPr lang="en-US" dirty="0"/>
-              <a:t>, L=</a:t>
-            </a:r>
-            <a:r>
-              <a:rPr lang="en-US" dirty="0" err="1"/>
-              <a:t>caba</a:t>
-            </a:r>
-            <a:r>
-              <a:rPr lang="en-US" dirty="0"/>
-              <a:t>, ST=</a:t>
-            </a:r>
-            <a:r>
-              <a:rPr lang="en-US" dirty="0" err="1"/>
-              <a:t>bsas</a:t>
-            </a:r>
-            <a:r>
-              <a:rPr lang="en-US" dirty="0"/>
-              <a:t>, C=</a:t>
-            </a:r>
-            <a:r>
-              <a:rPr lang="en-US" dirty="0" err="1"/>
-              <a:t>ar</a:t>
-            </a:r>
-            <a:r>
-              <a:rPr lang="en-US" dirty="0"/>
-              <a:t> correct?</a:t>
-            </a:r>
-          </a:p>
-          <a:p>
-            <a:pPr algn="l"/>
-            <a:r>
-              <a:rPr lang="en-US" dirty="0"/>
-              <a:t>  [no]:  yes</a:t>
-            </a:r>
-            <a:endParaRPr lang="es-ES" dirty="0"/>
+            <a:endParaRPr lang="es-ES"/>
           </a:p>
         </p:txBody>
       </p:sp>
@@ -6805,10 +7247,51 @@
           </a:p>
         </p:txBody>
       </p:sp>
+      <p:pic>
+        <p:nvPicPr>
+          <p:cNvPr id="2050" name="Picture 2" descr="A chain of trust graphic illustrating that the root certificate signs the intermediate, which then signs the server certificate"/>
+          <p:cNvPicPr>
+            <a:picLocks noChangeAspect="1" noChangeArrowheads="1"/>
+          </p:cNvPicPr>
+          <p:nvPr/>
+        </p:nvPicPr>
+        <p:blipFill>
+          <a:blip r:embed="rId2">
+            <a:extLst>
+              <a:ext uri="{28A0092B-C50C-407E-A947-70E740481C1C}">
+                <a14:useLocalDpi xmlns:a14="http://schemas.microsoft.com/office/drawing/2010/main" val="0"/>
+              </a:ext>
+            </a:extLst>
+          </a:blip>
+          <a:srcRect/>
+          <a:stretch>
+            <a:fillRect/>
+          </a:stretch>
+        </p:blipFill>
+        <p:spPr bwMode="auto">
+          <a:xfrm>
+            <a:off x="1514475" y="1772816"/>
+            <a:ext cx="6115050" cy="4552951"/>
+          </a:xfrm>
+          <a:prstGeom prst="rect">
+            <a:avLst/>
+          </a:prstGeom>
+          <a:noFill/>
+          <a:extLst>
+            <a:ext uri="{909E8E84-426E-40DD-AFC4-6F175D3DCCD1}">
+              <a14:hiddenFill xmlns:a14="http://schemas.microsoft.com/office/drawing/2010/main">
+                <a:solidFill>
+                  <a:srgbClr val="FFFFFF"/>
+                </a:solidFill>
+              </a14:hiddenFill>
+            </a:ext>
+          </a:extLst>
+        </p:spPr>
+      </p:pic>
     </p:spTree>
     <p:extLst>
       <p:ext uri="{BB962C8B-B14F-4D97-AF65-F5344CB8AC3E}">
-        <p14:creationId xmlns:p14="http://schemas.microsoft.com/office/powerpoint/2010/main" val="1107695987"/>
+        <p14:creationId xmlns:p14="http://schemas.microsoft.com/office/powerpoint/2010/main" val="1928862118"/>
       </p:ext>
     </p:extLst>
   </p:cSld>
@@ -6844,20 +7327,29 @@
       </p:grpSpPr>
       <p:sp>
         <p:nvSpPr>
-          <p:cNvPr id="3" name="2 Subtítulo"/>
+          <p:cNvPr id="2" name="1 Título"/>
           <p:cNvSpPr>
             <a:spLocks noGrp="1"/>
           </p:cNvSpPr>
           <p:nvPr>
-            <p:ph type="subTitle" idx="1"/>
+            <p:ph type="ctrTitle"/>
           </p:nvPr>
         </p:nvSpPr>
-        <p:spPr/>
+        <p:spPr>
+          <a:xfrm>
+            <a:off x="611560" y="476672"/>
+            <a:ext cx="7772400" cy="1470025"/>
+          </a:xfrm>
+        </p:spPr>
         <p:txBody>
           <a:bodyPr/>
           <a:lstStyle/>
           <a:p>
-            <a:endParaRPr lang="es-ES"/>
+            <a:r>
+              <a:rPr lang="en-US" dirty="0" smtClean="0"/>
+              <a:t>Certificate Authorities</a:t>
+            </a:r>
+            <a:endParaRPr lang="en-US" dirty="0"/>
           </a:p>
         </p:txBody>
       </p:sp>
@@ -6900,74 +7392,40 @@
           </a:p>
         </p:txBody>
       </p:sp>
-      <p:sp>
-        <p:nvSpPr>
-          <p:cNvPr id="5" name="4 Título"/>
-          <p:cNvSpPr>
-            <a:spLocks noGrp="1"/>
-          </p:cNvSpPr>
-          <p:nvPr>
-            <p:ph type="ctrTitle"/>
-          </p:nvPr>
-        </p:nvSpPr>
-        <p:spPr/>
-        <p:txBody>
-          <a:bodyPr/>
-          <a:lstStyle/>
-          <a:p>
-            <a:endParaRPr lang="es-ES"/>
-          </a:p>
-        </p:txBody>
-      </p:sp>
-      <p:sp>
-        <p:nvSpPr>
-          <p:cNvPr id="6" name="AutoShape 2" descr="Code - Org - Hour Of Code Logo - Free Transparent PNG Clipart Images  Download"/>
-          <p:cNvSpPr>
-            <a:spLocks noChangeAspect="1" noChangeArrowheads="1"/>
-          </p:cNvSpPr>
+      <p:pic>
+        <p:nvPicPr>
+          <p:cNvPr id="3" name="Imagen 2"/>
+          <p:cNvPicPr>
+            <a:picLocks noChangeAspect="1"/>
+          </p:cNvPicPr>
           <p:nvPr/>
-        </p:nvSpPr>
-        <p:spPr bwMode="auto">
+        </p:nvPicPr>
+        <p:blipFill>
+          <a:blip r:embed="rId2"/>
+          <a:stretch>
+            <a:fillRect/>
+          </a:stretch>
+        </p:blipFill>
+        <p:spPr>
           <a:xfrm>
-            <a:off x="307975" y="7937"/>
-            <a:ext cx="304800" cy="304801"/>
+            <a:off x="1043608" y="2060848"/>
+            <a:ext cx="7040373" cy="3528392"/>
           </a:xfrm>
           <a:prstGeom prst="rect">
             <a:avLst/>
           </a:prstGeom>
-          <a:noFill/>
-          <a:extLst>
-            <a:ext uri="{909E8E84-426E-40DD-AFC4-6F175D3DCCD1}">
-              <a14:hiddenFill xmlns:a14="http://schemas.microsoft.com/office/drawing/2010/main">
-                <a:solidFill>
-                  <a:srgbClr val="FFFFFF"/>
-                </a:solidFill>
-              </a14:hiddenFill>
-            </a:ext>
-          </a:extLst>
         </p:spPr>
-        <p:txBody>
-          <a:bodyPr vert="horz" wrap="square" lIns="91440" tIns="45720" rIns="91440" bIns="45720" numCol="1" anchor="t" anchorCtr="0" compatLnSpc="1">
-            <a:prstTxWarp prst="textNoShape">
-              <a:avLst/>
-            </a:prstTxWarp>
-          </a:bodyPr>
-          <a:lstStyle/>
-          <a:p>
-            <a:endParaRPr lang="es-ES"/>
-          </a:p>
-        </p:txBody>
-      </p:sp>
+      </p:pic>
       <p:pic>
         <p:nvPicPr>
-          <p:cNvPr id="15363" name="Picture 3"/>
+          <p:cNvPr id="1026" name="Picture 2" descr="DigiCert logo.svg"/>
           <p:cNvPicPr>
             <a:picLocks noChangeAspect="1" noChangeArrowheads="1"/>
           </p:cNvPicPr>
           <p:nvPr/>
         </p:nvPicPr>
         <p:blipFill>
-          <a:blip r:embed="rId2">
+          <a:blip r:embed="rId3">
             <a:extLst>
               <a:ext uri="{28A0092B-C50C-407E-A947-70E740481C1C}">
                 <a14:useLocalDpi xmlns:a14="http://schemas.microsoft.com/office/drawing/2010/main" val="0"/>
@@ -6981,43 +7439,143 @@
         </p:blipFill>
         <p:spPr bwMode="auto">
           <a:xfrm>
-            <a:off x="1763688" y="312738"/>
-            <a:ext cx="6088732" cy="6298939"/>
+            <a:off x="190256" y="5805264"/>
+            <a:ext cx="2095500" cy="466726"/>
           </a:xfrm>
           <a:prstGeom prst="rect">
             <a:avLst/>
           </a:prstGeom>
           <a:noFill/>
-          <a:ln>
-            <a:noFill/>
-          </a:ln>
-          <a:effectLst/>
           <a:extLst>
             <a:ext uri="{909E8E84-426E-40DD-AFC4-6F175D3DCCD1}">
               <a14:hiddenFill xmlns:a14="http://schemas.microsoft.com/office/drawing/2010/main">
                 <a:solidFill>
-                  <a:schemeClr val="accent1"/>
+                  <a:srgbClr val="FFFFFF"/>
                 </a:solidFill>
               </a14:hiddenFill>
             </a:ext>
-            <a:ext uri="{91240B29-F687-4F45-9708-019B960494DF}">
-              <a14:hiddenLine xmlns:a14="http://schemas.microsoft.com/office/drawing/2010/main" w="9525">
-                <a:solidFill>
-                  <a:schemeClr val="tx1"/>
-                </a:solidFill>
-                <a:miter lim="800000"/>
-                <a:headEnd/>
-                <a:tailEnd/>
-              </a14:hiddenLine>
+          </a:extLst>
+        </p:spPr>
+      </p:pic>
+      <p:pic>
+        <p:nvPicPr>
+          <p:cNvPr id="1028" name="Picture 4" descr="Comodo Cybersecurity.png"/>
+          <p:cNvPicPr>
+            <a:picLocks noChangeAspect="1" noChangeArrowheads="1"/>
+          </p:cNvPicPr>
+          <p:nvPr/>
+        </p:nvPicPr>
+        <p:blipFill>
+          <a:blip r:embed="rId4">
+            <a:extLst>
+              <a:ext uri="{28A0092B-C50C-407E-A947-70E740481C1C}">
+                <a14:useLocalDpi xmlns:a14="http://schemas.microsoft.com/office/drawing/2010/main" val="0"/>
+              </a:ext>
+            </a:extLst>
+          </a:blip>
+          <a:srcRect/>
+          <a:stretch>
+            <a:fillRect/>
+          </a:stretch>
+        </p:blipFill>
+        <p:spPr bwMode="auto">
+          <a:xfrm>
+            <a:off x="2483768" y="5976715"/>
+            <a:ext cx="1162050" cy="295275"/>
+          </a:xfrm>
+          <a:prstGeom prst="rect">
+            <a:avLst/>
+          </a:prstGeom>
+          <a:noFill/>
+          <a:extLst>
+            <a:ext uri="{909E8E84-426E-40DD-AFC4-6F175D3DCCD1}">
+              <a14:hiddenFill xmlns:a14="http://schemas.microsoft.com/office/drawing/2010/main">
+                <a:solidFill>
+                  <a:srgbClr val="FFFFFF"/>
+                </a:solidFill>
+              </a14:hiddenFill>
             </a:ext>
-            <a:ext uri="{AF507438-7753-43E0-B8FC-AC1667EBCBE1}">
-              <a14:hiddenEffects xmlns:a14="http://schemas.microsoft.com/office/drawing/2010/main">
-                <a:effectLst>
-                  <a:outerShdw dist="35921" dir="2700000" algn="ctr" rotWithShape="0">
-                    <a:schemeClr val="bg2"/>
-                  </a:outerShdw>
-                </a:effectLst>
-              </a14:hiddenEffects>
+          </a:extLst>
+        </p:spPr>
+      </p:pic>
+      <p:pic>
+        <p:nvPicPr>
+          <p:cNvPr id="1030" name="Picture 6" descr="GlobalSign by GMO Logo"/>
+          <p:cNvPicPr>
+            <a:picLocks noChangeAspect="1" noChangeArrowheads="1"/>
+          </p:cNvPicPr>
+          <p:nvPr/>
+        </p:nvPicPr>
+        <p:blipFill>
+          <a:blip r:embed="rId5">
+            <a:extLst>
+              <a:ext uri="{28A0092B-C50C-407E-A947-70E740481C1C}">
+                <a14:useLocalDpi xmlns:a14="http://schemas.microsoft.com/office/drawing/2010/main" val="0"/>
+              </a:ext>
+            </a:extLst>
+          </a:blip>
+          <a:srcRect/>
+          <a:stretch>
+            <a:fillRect/>
+          </a:stretch>
+        </p:blipFill>
+        <p:spPr bwMode="auto">
+          <a:xfrm>
+            <a:off x="3843830" y="5871939"/>
+            <a:ext cx="2095500" cy="504826"/>
+          </a:xfrm>
+          <a:prstGeom prst="rect">
+            <a:avLst/>
+          </a:prstGeom>
+          <a:noFill/>
+          <a:extLst>
+            <a:ext uri="{909E8E84-426E-40DD-AFC4-6F175D3DCCD1}">
+              <a14:hiddenFill xmlns:a14="http://schemas.microsoft.com/office/drawing/2010/main">
+                <a:solidFill>
+                  <a:srgbClr val="FFFFFF"/>
+                </a:solidFill>
+              </a14:hiddenFill>
+            </a:ext>
+          </a:extLst>
+        </p:spPr>
+      </p:pic>
+      <p:pic>
+        <p:nvPicPr>
+          <p:cNvPr id="1032" name="Picture 8" descr="Let's Encrypt.svg"/>
+          <p:cNvPicPr>
+            <a:picLocks noChangeAspect="1" noChangeArrowheads="1"/>
+          </p:cNvPicPr>
+          <p:nvPr/>
+        </p:nvPicPr>
+        <p:blipFill>
+          <a:blip r:embed="rId6">
+            <a:extLst>
+              <a:ext uri="{28A0092B-C50C-407E-A947-70E740481C1C}">
+                <a14:useLocalDpi xmlns:a14="http://schemas.microsoft.com/office/drawing/2010/main" val="0"/>
+              </a:ext>
+            </a:extLst>
+          </a:blip>
+          <a:srcRect/>
+          <a:stretch>
+            <a:fillRect/>
+          </a:stretch>
+        </p:blipFill>
+        <p:spPr bwMode="auto">
+          <a:xfrm>
+            <a:off x="6444208" y="5752876"/>
+            <a:ext cx="2381250" cy="571501"/>
+          </a:xfrm>
+          <a:prstGeom prst="rect">
+            <a:avLst/>
+          </a:prstGeom>
+          <a:noFill/>
+          <a:extLst>
+            <a:ext uri="{909E8E84-426E-40DD-AFC4-6F175D3DCCD1}">
+              <a14:hiddenFill xmlns:a14="http://schemas.microsoft.com/office/drawing/2010/main">
+                <a:solidFill>
+                  <a:srgbClr val="FFFFFF"/>
+                </a:solidFill>
+              </a14:hiddenFill>
             </a:ext>
           </a:extLst>
         </p:spPr>
@@ -7061,6 +7619,853 @@
       </p:grpSpPr>
       <p:sp>
         <p:nvSpPr>
+          <p:cNvPr id="5" name="Rectángulo 4"/>
+          <p:cNvSpPr/>
+          <p:nvPr/>
+        </p:nvSpPr>
+        <p:spPr>
+          <a:xfrm>
+            <a:off x="611560" y="1484784"/>
+            <a:ext cx="7704856" cy="5112568"/>
+          </a:xfrm>
+          <a:prstGeom prst="rect">
+            <a:avLst/>
+          </a:prstGeom>
+          <a:solidFill>
+            <a:schemeClr val="bg1"/>
+          </a:solidFill>
+        </p:spPr>
+        <p:style>
+          <a:lnRef idx="2">
+            <a:schemeClr val="accent1">
+              <a:shade val="50000"/>
+            </a:schemeClr>
+          </a:lnRef>
+          <a:fillRef idx="1">
+            <a:schemeClr val="accent1"/>
+          </a:fillRef>
+          <a:effectRef idx="0">
+            <a:schemeClr val="accent1"/>
+          </a:effectRef>
+          <a:fontRef idx="minor">
+            <a:schemeClr val="lt1"/>
+          </a:fontRef>
+        </p:style>
+        <p:txBody>
+          <a:bodyPr rtlCol="0" anchor="ctr"/>
+          <a:lstStyle/>
+          <a:p>
+            <a:pPr algn="ctr"/>
+            <a:endParaRPr lang="es-AR"/>
+          </a:p>
+        </p:txBody>
+      </p:sp>
+      <p:sp>
+        <p:nvSpPr>
+          <p:cNvPr id="2" name="1 Título"/>
+          <p:cNvSpPr>
+            <a:spLocks noGrp="1"/>
+          </p:cNvSpPr>
+          <p:nvPr>
+            <p:ph type="ctrTitle"/>
+          </p:nvPr>
+        </p:nvSpPr>
+        <p:spPr>
+          <a:xfrm>
+            <a:off x="611560" y="476672"/>
+            <a:ext cx="7772400" cy="1470025"/>
+          </a:xfrm>
+        </p:spPr>
+        <p:txBody>
+          <a:bodyPr/>
+          <a:lstStyle/>
+          <a:p>
+            <a:r>
+              <a:rPr lang="es-ES" dirty="0" err="1" smtClean="0"/>
+              <a:t>Keytool</a:t>
+            </a:r>
+            <a:r>
+              <a:rPr lang="es-ES" dirty="0" smtClean="0"/>
+              <a:t> in Java</a:t>
+            </a:r>
+            <a:endParaRPr lang="es-ES" dirty="0"/>
+          </a:p>
+        </p:txBody>
+      </p:sp>
+      <p:sp>
+        <p:nvSpPr>
+          <p:cNvPr id="3" name="2 Subtítulo"/>
+          <p:cNvSpPr>
+            <a:spLocks noGrp="1"/>
+          </p:cNvSpPr>
+          <p:nvPr>
+            <p:ph type="subTitle" idx="1"/>
+          </p:nvPr>
+        </p:nvSpPr>
+        <p:spPr>
+          <a:xfrm>
+            <a:off x="611560" y="1628800"/>
+            <a:ext cx="8208912" cy="4968552"/>
+          </a:xfrm>
+        </p:spPr>
+        <p:txBody>
+          <a:bodyPr>
+            <a:normAutofit fontScale="55000" lnSpcReduction="20000"/>
+          </a:bodyPr>
+          <a:lstStyle/>
+          <a:p>
+            <a:pPr algn="l"/>
+            <a:r>
+              <a:rPr lang="en-US" dirty="0">
+                <a:solidFill>
+                  <a:schemeClr val="tx1"/>
+                </a:solidFill>
+              </a:rPr>
+              <a:t>C:\Program Files\Java\jdk-11.0.15\bin&gt;</a:t>
+            </a:r>
+            <a:r>
+              <a:rPr lang="en-US" dirty="0" err="1">
+                <a:solidFill>
+                  <a:schemeClr val="tx1"/>
+                </a:solidFill>
+              </a:rPr>
+              <a:t>keytool</a:t>
+            </a:r>
+            <a:r>
+              <a:rPr lang="en-US" dirty="0">
+                <a:solidFill>
+                  <a:schemeClr val="tx1"/>
+                </a:solidFill>
+              </a:rPr>
+              <a:t> -</a:t>
+            </a:r>
+            <a:r>
+              <a:rPr lang="en-US" dirty="0" err="1">
+                <a:solidFill>
+                  <a:schemeClr val="tx1"/>
+                </a:solidFill>
+              </a:rPr>
+              <a:t>genkey</a:t>
+            </a:r>
+            <a:r>
+              <a:rPr lang="en-US" dirty="0">
+                <a:solidFill>
+                  <a:schemeClr val="tx1"/>
+                </a:solidFill>
+              </a:rPr>
+              <a:t> -alias server -</a:t>
+            </a:r>
+            <a:r>
+              <a:rPr lang="en-US" dirty="0" err="1">
+                <a:solidFill>
+                  <a:schemeClr val="tx1"/>
+                </a:solidFill>
+              </a:rPr>
+              <a:t>keyalg</a:t>
+            </a:r>
+            <a:r>
+              <a:rPr lang="en-US" dirty="0">
+                <a:solidFill>
+                  <a:schemeClr val="tx1"/>
+                </a:solidFill>
+              </a:rPr>
+              <a:t> RSA -</a:t>
+            </a:r>
+            <a:r>
+              <a:rPr lang="en-US" dirty="0" err="1">
+                <a:solidFill>
+                  <a:schemeClr val="tx1"/>
+                </a:solidFill>
+              </a:rPr>
+              <a:t>keysize</a:t>
+            </a:r>
+            <a:r>
+              <a:rPr lang="en-US" dirty="0">
+                <a:solidFill>
+                  <a:schemeClr val="tx1"/>
+                </a:solidFill>
+              </a:rPr>
+              <a:t> 2048 -</a:t>
+            </a:r>
+            <a:r>
+              <a:rPr lang="en-US" dirty="0" err="1">
+                <a:solidFill>
+                  <a:schemeClr val="tx1"/>
+                </a:solidFill>
+              </a:rPr>
+              <a:t>keystore</a:t>
+            </a:r>
+            <a:r>
+              <a:rPr lang="en-US" dirty="0">
+                <a:solidFill>
+                  <a:schemeClr val="tx1"/>
+                </a:solidFill>
+              </a:rPr>
+              <a:t> </a:t>
+            </a:r>
+            <a:r>
+              <a:rPr lang="en-US" dirty="0" err="1">
+                <a:solidFill>
+                  <a:schemeClr val="tx1"/>
+                </a:solidFill>
+              </a:rPr>
+              <a:t>keystoreServer-keystore.jks</a:t>
+            </a:r>
+            <a:endParaRPr lang="en-US" dirty="0">
+              <a:solidFill>
+                <a:schemeClr val="tx1"/>
+              </a:solidFill>
+            </a:endParaRPr>
+          </a:p>
+          <a:p>
+            <a:pPr algn="l"/>
+            <a:r>
+              <a:rPr lang="en-US" dirty="0">
+                <a:solidFill>
+                  <a:schemeClr val="tx1"/>
+                </a:solidFill>
+              </a:rPr>
+              <a:t>Enter </a:t>
+            </a:r>
+            <a:r>
+              <a:rPr lang="en-US" dirty="0" err="1">
+                <a:solidFill>
+                  <a:schemeClr val="tx1"/>
+                </a:solidFill>
+              </a:rPr>
+              <a:t>keystore</a:t>
+            </a:r>
+            <a:r>
+              <a:rPr lang="en-US" dirty="0">
+                <a:solidFill>
+                  <a:schemeClr val="tx1"/>
+                </a:solidFill>
+              </a:rPr>
+              <a:t> password:</a:t>
+            </a:r>
+          </a:p>
+          <a:p>
+            <a:pPr algn="l"/>
+            <a:r>
+              <a:rPr lang="en-US" dirty="0">
+                <a:solidFill>
+                  <a:schemeClr val="tx1"/>
+                </a:solidFill>
+              </a:rPr>
+              <a:t>Re-enter new password:</a:t>
+            </a:r>
+          </a:p>
+          <a:p>
+            <a:pPr algn="l"/>
+            <a:r>
+              <a:rPr lang="en-US" dirty="0">
+                <a:solidFill>
+                  <a:schemeClr val="tx1"/>
+                </a:solidFill>
+              </a:rPr>
+              <a:t>What is your first and last name?</a:t>
+            </a:r>
+          </a:p>
+          <a:p>
+            <a:pPr algn="l"/>
+            <a:r>
+              <a:rPr lang="en-US" dirty="0">
+                <a:solidFill>
+                  <a:schemeClr val="tx1"/>
+                </a:solidFill>
+              </a:rPr>
+              <a:t>  [Unknown]:  </a:t>
+            </a:r>
+            <a:r>
+              <a:rPr lang="en-US" dirty="0" err="1">
+                <a:solidFill>
+                  <a:schemeClr val="tx1"/>
+                </a:solidFill>
+              </a:rPr>
+              <a:t>localhost</a:t>
+            </a:r>
+            <a:endParaRPr lang="en-US" dirty="0">
+              <a:solidFill>
+                <a:schemeClr val="tx1"/>
+              </a:solidFill>
+            </a:endParaRPr>
+          </a:p>
+          <a:p>
+            <a:pPr algn="l"/>
+            <a:r>
+              <a:rPr lang="en-US" dirty="0">
+                <a:solidFill>
+                  <a:schemeClr val="tx1"/>
+                </a:solidFill>
+              </a:rPr>
+              <a:t>What is the name of your organizational unit?</a:t>
+            </a:r>
+          </a:p>
+          <a:p>
+            <a:pPr algn="l"/>
+            <a:r>
+              <a:rPr lang="en-US" dirty="0">
+                <a:solidFill>
+                  <a:schemeClr val="tx1"/>
+                </a:solidFill>
+              </a:rPr>
+              <a:t>  [Unknown]:  </a:t>
+            </a:r>
+            <a:r>
+              <a:rPr lang="en-US" dirty="0" err="1">
+                <a:solidFill>
+                  <a:schemeClr val="tx1"/>
+                </a:solidFill>
+              </a:rPr>
+              <a:t>gti</a:t>
+            </a:r>
+            <a:endParaRPr lang="en-US" dirty="0">
+              <a:solidFill>
+                <a:schemeClr val="tx1"/>
+              </a:solidFill>
+            </a:endParaRPr>
+          </a:p>
+          <a:p>
+            <a:pPr algn="l"/>
+            <a:r>
+              <a:rPr lang="en-US" dirty="0">
+                <a:solidFill>
+                  <a:schemeClr val="tx1"/>
+                </a:solidFill>
+              </a:rPr>
+              <a:t>What is the name of your organization?</a:t>
+            </a:r>
+          </a:p>
+          <a:p>
+            <a:pPr algn="l"/>
+            <a:r>
+              <a:rPr lang="en-US" dirty="0">
+                <a:solidFill>
+                  <a:schemeClr val="tx1"/>
+                </a:solidFill>
+              </a:rPr>
+              <a:t>  [Unknown]:  </a:t>
+            </a:r>
+            <a:r>
+              <a:rPr lang="en-US" dirty="0" err="1">
+                <a:solidFill>
+                  <a:schemeClr val="tx1"/>
+                </a:solidFill>
+              </a:rPr>
+              <a:t>jp</a:t>
+            </a:r>
+            <a:endParaRPr lang="en-US" dirty="0">
+              <a:solidFill>
+                <a:schemeClr val="tx1"/>
+              </a:solidFill>
+            </a:endParaRPr>
+          </a:p>
+          <a:p>
+            <a:pPr algn="l"/>
+            <a:r>
+              <a:rPr lang="en-US" dirty="0">
+                <a:solidFill>
+                  <a:schemeClr val="tx1"/>
+                </a:solidFill>
+              </a:rPr>
+              <a:t>What is the name of your City or Locality?</a:t>
+            </a:r>
+          </a:p>
+          <a:p>
+            <a:pPr algn="l"/>
+            <a:r>
+              <a:rPr lang="en-US" dirty="0">
+                <a:solidFill>
+                  <a:schemeClr val="tx1"/>
+                </a:solidFill>
+              </a:rPr>
+              <a:t>  [Unknown]:  </a:t>
+            </a:r>
+            <a:r>
+              <a:rPr lang="en-US" dirty="0" err="1">
+                <a:solidFill>
+                  <a:schemeClr val="tx1"/>
+                </a:solidFill>
+              </a:rPr>
+              <a:t>caba</a:t>
+            </a:r>
+            <a:endParaRPr lang="en-US" dirty="0">
+              <a:solidFill>
+                <a:schemeClr val="tx1"/>
+              </a:solidFill>
+            </a:endParaRPr>
+          </a:p>
+          <a:p>
+            <a:pPr algn="l"/>
+            <a:r>
+              <a:rPr lang="en-US" dirty="0">
+                <a:solidFill>
+                  <a:schemeClr val="tx1"/>
+                </a:solidFill>
+              </a:rPr>
+              <a:t>What is the name of your State or Province?</a:t>
+            </a:r>
+          </a:p>
+          <a:p>
+            <a:pPr algn="l"/>
+            <a:r>
+              <a:rPr lang="en-US" dirty="0">
+                <a:solidFill>
+                  <a:schemeClr val="tx1"/>
+                </a:solidFill>
+              </a:rPr>
+              <a:t>  [Unknown]:  </a:t>
+            </a:r>
+            <a:r>
+              <a:rPr lang="en-US" dirty="0" err="1">
+                <a:solidFill>
+                  <a:schemeClr val="tx1"/>
+                </a:solidFill>
+              </a:rPr>
+              <a:t>bsas</a:t>
+            </a:r>
+            <a:endParaRPr lang="en-US" dirty="0">
+              <a:solidFill>
+                <a:schemeClr val="tx1"/>
+              </a:solidFill>
+            </a:endParaRPr>
+          </a:p>
+          <a:p>
+            <a:pPr algn="l"/>
+            <a:r>
+              <a:rPr lang="en-US" dirty="0">
+                <a:solidFill>
+                  <a:schemeClr val="tx1"/>
+                </a:solidFill>
+              </a:rPr>
+              <a:t>What is the two-letter country code for this unit?</a:t>
+            </a:r>
+          </a:p>
+          <a:p>
+            <a:pPr algn="l"/>
+            <a:r>
+              <a:rPr lang="en-US" dirty="0">
+                <a:solidFill>
+                  <a:schemeClr val="tx1"/>
+                </a:solidFill>
+              </a:rPr>
+              <a:t>  [Unknown]:  </a:t>
+            </a:r>
+            <a:r>
+              <a:rPr lang="en-US" dirty="0" err="1">
+                <a:solidFill>
+                  <a:schemeClr val="tx1"/>
+                </a:solidFill>
+              </a:rPr>
+              <a:t>ar</a:t>
+            </a:r>
+            <a:endParaRPr lang="en-US" dirty="0">
+              <a:solidFill>
+                <a:schemeClr val="tx1"/>
+              </a:solidFill>
+            </a:endParaRPr>
+          </a:p>
+          <a:p>
+            <a:pPr algn="l"/>
+            <a:r>
+              <a:rPr lang="en-US" dirty="0">
+                <a:solidFill>
+                  <a:schemeClr val="tx1"/>
+                </a:solidFill>
+              </a:rPr>
+              <a:t>Is CN=</a:t>
+            </a:r>
+            <a:r>
+              <a:rPr lang="en-US" dirty="0" err="1">
+                <a:solidFill>
+                  <a:schemeClr val="tx1"/>
+                </a:solidFill>
+              </a:rPr>
+              <a:t>localhost</a:t>
+            </a:r>
+            <a:r>
+              <a:rPr lang="en-US" dirty="0">
+                <a:solidFill>
+                  <a:schemeClr val="tx1"/>
+                </a:solidFill>
+              </a:rPr>
+              <a:t>, OU=</a:t>
+            </a:r>
+            <a:r>
+              <a:rPr lang="en-US" dirty="0" err="1">
+                <a:solidFill>
+                  <a:schemeClr val="tx1"/>
+                </a:solidFill>
+              </a:rPr>
+              <a:t>gti</a:t>
+            </a:r>
+            <a:r>
+              <a:rPr lang="en-US" dirty="0">
+                <a:solidFill>
+                  <a:schemeClr val="tx1"/>
+                </a:solidFill>
+              </a:rPr>
+              <a:t>, O=</a:t>
+            </a:r>
+            <a:r>
+              <a:rPr lang="en-US" dirty="0" err="1">
+                <a:solidFill>
+                  <a:schemeClr val="tx1"/>
+                </a:solidFill>
+              </a:rPr>
+              <a:t>jp</a:t>
+            </a:r>
+            <a:r>
+              <a:rPr lang="en-US" dirty="0">
+                <a:solidFill>
+                  <a:schemeClr val="tx1"/>
+                </a:solidFill>
+              </a:rPr>
+              <a:t>, L=</a:t>
+            </a:r>
+            <a:r>
+              <a:rPr lang="en-US" dirty="0" err="1">
+                <a:solidFill>
+                  <a:schemeClr val="tx1"/>
+                </a:solidFill>
+              </a:rPr>
+              <a:t>caba</a:t>
+            </a:r>
+            <a:r>
+              <a:rPr lang="en-US" dirty="0">
+                <a:solidFill>
+                  <a:schemeClr val="tx1"/>
+                </a:solidFill>
+              </a:rPr>
+              <a:t>, ST=</a:t>
+            </a:r>
+            <a:r>
+              <a:rPr lang="en-US" dirty="0" err="1">
+                <a:solidFill>
+                  <a:schemeClr val="tx1"/>
+                </a:solidFill>
+              </a:rPr>
+              <a:t>bsas</a:t>
+            </a:r>
+            <a:r>
+              <a:rPr lang="en-US" dirty="0">
+                <a:solidFill>
+                  <a:schemeClr val="tx1"/>
+                </a:solidFill>
+              </a:rPr>
+              <a:t>, C=</a:t>
+            </a:r>
+            <a:r>
+              <a:rPr lang="en-US" dirty="0" err="1">
+                <a:solidFill>
+                  <a:schemeClr val="tx1"/>
+                </a:solidFill>
+              </a:rPr>
+              <a:t>ar</a:t>
+            </a:r>
+            <a:r>
+              <a:rPr lang="en-US" dirty="0">
+                <a:solidFill>
+                  <a:schemeClr val="tx1"/>
+                </a:solidFill>
+              </a:rPr>
+              <a:t> correct?</a:t>
+            </a:r>
+          </a:p>
+          <a:p>
+            <a:pPr algn="l"/>
+            <a:r>
+              <a:rPr lang="en-US" dirty="0">
+                <a:solidFill>
+                  <a:schemeClr val="tx1"/>
+                </a:solidFill>
+              </a:rPr>
+              <a:t>  [no]:  yes</a:t>
+            </a:r>
+            <a:endParaRPr lang="es-ES" dirty="0">
+              <a:solidFill>
+                <a:schemeClr val="tx1"/>
+              </a:solidFill>
+            </a:endParaRPr>
+          </a:p>
+        </p:txBody>
+      </p:sp>
+      <p:sp>
+        <p:nvSpPr>
+          <p:cNvPr id="4" name="AutoShape 2" descr="What Are The Different Types Of Certificate Formats? - The Sec Master"/>
+          <p:cNvSpPr>
+            <a:spLocks noChangeAspect="1" noChangeArrowheads="1"/>
+          </p:cNvSpPr>
+          <p:nvPr/>
+        </p:nvSpPr>
+        <p:spPr bwMode="auto">
+          <a:xfrm>
+            <a:off x="155575" y="-144463"/>
+            <a:ext cx="304800" cy="304801"/>
+          </a:xfrm>
+          <a:prstGeom prst="rect">
+            <a:avLst/>
+          </a:prstGeom>
+          <a:noFill/>
+          <a:extLst>
+            <a:ext uri="{909E8E84-426E-40DD-AFC4-6F175D3DCCD1}">
+              <a14:hiddenFill xmlns:a14="http://schemas.microsoft.com/office/drawing/2010/main">
+                <a:solidFill>
+                  <a:srgbClr val="FFFFFF"/>
+                </a:solidFill>
+              </a14:hiddenFill>
+            </a:ext>
+          </a:extLst>
+        </p:spPr>
+        <p:txBody>
+          <a:bodyPr vert="horz" wrap="square" lIns="91440" tIns="45720" rIns="91440" bIns="45720" numCol="1" anchor="t" anchorCtr="0" compatLnSpc="1">
+            <a:prstTxWarp prst="textNoShape">
+              <a:avLst/>
+            </a:prstTxWarp>
+          </a:bodyPr>
+          <a:lstStyle/>
+          <a:p>
+            <a:endParaRPr lang="es-ES"/>
+          </a:p>
+        </p:txBody>
+      </p:sp>
+    </p:spTree>
+    <p:extLst>
+      <p:ext uri="{BB962C8B-B14F-4D97-AF65-F5344CB8AC3E}">
+        <p14:creationId xmlns:p14="http://schemas.microsoft.com/office/powerpoint/2010/main" val="1107695987"/>
+      </p:ext>
+    </p:extLst>
+  </p:cSld>
+  <p:clrMapOvr>
+    <a:masterClrMapping/>
+  </p:clrMapOvr>
+  <p:timing>
+    <p:tnLst>
+      <p:par>
+        <p:cTn id="1" dur="indefinite" restart="never" nodeType="tmRoot"/>
+      </p:par>
+    </p:tnLst>
+  </p:timing>
+</p:sld>
+</file>
+
+<file path=ppt/slides/slide16.xml><?xml version="1.0" encoding="utf-8"?>
+<p:sld xmlns:a="http://schemas.openxmlformats.org/drawingml/2006/main" xmlns:r="http://schemas.openxmlformats.org/officeDocument/2006/relationships" xmlns:p="http://schemas.openxmlformats.org/presentationml/2006/main">
+  <p:cSld>
+    <p:spTree>
+      <p:nvGrpSpPr>
+        <p:cNvPr id="1" name=""/>
+        <p:cNvGrpSpPr/>
+        <p:nvPr/>
+      </p:nvGrpSpPr>
+      <p:grpSpPr>
+        <a:xfrm>
+          <a:off x="0" y="0"/>
+          <a:ext cx="0" cy="0"/>
+          <a:chOff x="0" y="0"/>
+          <a:chExt cx="0" cy="0"/>
+        </a:xfrm>
+      </p:grpSpPr>
+      <p:sp>
+        <p:nvSpPr>
+          <p:cNvPr id="3" name="2 Subtítulo"/>
+          <p:cNvSpPr>
+            <a:spLocks noGrp="1"/>
+          </p:cNvSpPr>
+          <p:nvPr>
+            <p:ph type="subTitle" idx="1"/>
+          </p:nvPr>
+        </p:nvSpPr>
+        <p:spPr/>
+        <p:txBody>
+          <a:bodyPr/>
+          <a:lstStyle/>
+          <a:p>
+            <a:endParaRPr lang="es-ES"/>
+          </a:p>
+        </p:txBody>
+      </p:sp>
+      <p:sp>
+        <p:nvSpPr>
+          <p:cNvPr id="4" name="AutoShape 2" descr="What Are The Different Types Of Certificate Formats? - The Sec Master"/>
+          <p:cNvSpPr>
+            <a:spLocks noChangeAspect="1" noChangeArrowheads="1"/>
+          </p:cNvSpPr>
+          <p:nvPr/>
+        </p:nvSpPr>
+        <p:spPr bwMode="auto">
+          <a:xfrm>
+            <a:off x="155575" y="-144463"/>
+            <a:ext cx="304800" cy="304801"/>
+          </a:xfrm>
+          <a:prstGeom prst="rect">
+            <a:avLst/>
+          </a:prstGeom>
+          <a:noFill/>
+          <a:extLst>
+            <a:ext uri="{909E8E84-426E-40DD-AFC4-6F175D3DCCD1}">
+              <a14:hiddenFill xmlns:a14="http://schemas.microsoft.com/office/drawing/2010/main">
+                <a:solidFill>
+                  <a:srgbClr val="FFFFFF"/>
+                </a:solidFill>
+              </a14:hiddenFill>
+            </a:ext>
+          </a:extLst>
+        </p:spPr>
+        <p:txBody>
+          <a:bodyPr vert="horz" wrap="square" lIns="91440" tIns="45720" rIns="91440" bIns="45720" numCol="1" anchor="t" anchorCtr="0" compatLnSpc="1">
+            <a:prstTxWarp prst="textNoShape">
+              <a:avLst/>
+            </a:prstTxWarp>
+          </a:bodyPr>
+          <a:lstStyle/>
+          <a:p>
+            <a:endParaRPr lang="es-ES"/>
+          </a:p>
+        </p:txBody>
+      </p:sp>
+      <p:sp>
+        <p:nvSpPr>
+          <p:cNvPr id="6" name="AutoShape 2" descr="Code - Org - Hour Of Code Logo - Free Transparent PNG Clipart Images  Download"/>
+          <p:cNvSpPr>
+            <a:spLocks noChangeAspect="1" noChangeArrowheads="1"/>
+          </p:cNvSpPr>
+          <p:nvPr/>
+        </p:nvSpPr>
+        <p:spPr bwMode="auto">
+          <a:xfrm>
+            <a:off x="307975" y="7937"/>
+            <a:ext cx="304800" cy="304801"/>
+          </a:xfrm>
+          <a:prstGeom prst="rect">
+            <a:avLst/>
+          </a:prstGeom>
+          <a:noFill/>
+          <a:extLst>
+            <a:ext uri="{909E8E84-426E-40DD-AFC4-6F175D3DCCD1}">
+              <a14:hiddenFill xmlns:a14="http://schemas.microsoft.com/office/drawing/2010/main">
+                <a:solidFill>
+                  <a:srgbClr val="FFFFFF"/>
+                </a:solidFill>
+              </a14:hiddenFill>
+            </a:ext>
+          </a:extLst>
+        </p:spPr>
+        <p:txBody>
+          <a:bodyPr vert="horz" wrap="square" lIns="91440" tIns="45720" rIns="91440" bIns="45720" numCol="1" anchor="t" anchorCtr="0" compatLnSpc="1">
+            <a:prstTxWarp prst="textNoShape">
+              <a:avLst/>
+            </a:prstTxWarp>
+          </a:bodyPr>
+          <a:lstStyle/>
+          <a:p>
+            <a:endParaRPr lang="es-ES"/>
+          </a:p>
+        </p:txBody>
+      </p:sp>
+      <p:pic>
+        <p:nvPicPr>
+          <p:cNvPr id="15363" name="Picture 3"/>
+          <p:cNvPicPr>
+            <a:picLocks noChangeAspect="1" noChangeArrowheads="1"/>
+          </p:cNvPicPr>
+          <p:nvPr/>
+        </p:nvPicPr>
+        <p:blipFill>
+          <a:blip r:embed="rId2">
+            <a:extLst>
+              <a:ext uri="{28A0092B-C50C-407E-A947-70E740481C1C}">
+                <a14:useLocalDpi xmlns:a14="http://schemas.microsoft.com/office/drawing/2010/main" val="0"/>
+              </a:ext>
+            </a:extLst>
+          </a:blip>
+          <a:srcRect/>
+          <a:stretch>
+            <a:fillRect/>
+          </a:stretch>
+        </p:blipFill>
+        <p:spPr bwMode="auto">
+          <a:xfrm>
+            <a:off x="1763688" y="312738"/>
+            <a:ext cx="6088732" cy="6298939"/>
+          </a:xfrm>
+          <a:prstGeom prst="rect">
+            <a:avLst/>
+          </a:prstGeom>
+          <a:noFill/>
+          <a:ln>
+            <a:noFill/>
+          </a:ln>
+          <a:effectLst/>
+          <a:extLst>
+            <a:ext uri="{909E8E84-426E-40DD-AFC4-6F175D3DCCD1}">
+              <a14:hiddenFill xmlns:a14="http://schemas.microsoft.com/office/drawing/2010/main">
+                <a:solidFill>
+                  <a:schemeClr val="accent1"/>
+                </a:solidFill>
+              </a14:hiddenFill>
+            </a:ext>
+            <a:ext uri="{91240B29-F687-4F45-9708-019B960494DF}">
+              <a14:hiddenLine xmlns:a14="http://schemas.microsoft.com/office/drawing/2010/main" w="9525">
+                <a:solidFill>
+                  <a:schemeClr val="tx1"/>
+                </a:solidFill>
+                <a:miter lim="800000"/>
+                <a:headEnd/>
+                <a:tailEnd/>
+              </a14:hiddenLine>
+            </a:ext>
+            <a:ext uri="{AF507438-7753-43E0-B8FC-AC1667EBCBE1}">
+              <a14:hiddenEffects xmlns:a14="http://schemas.microsoft.com/office/drawing/2010/main">
+                <a:effectLst>
+                  <a:outerShdw dist="35921" dir="2700000" algn="ctr" rotWithShape="0">
+                    <a:schemeClr val="bg2"/>
+                  </a:outerShdw>
+                </a:effectLst>
+              </a14:hiddenEffects>
+            </a:ext>
+          </a:extLst>
+        </p:spPr>
+      </p:pic>
+    </p:spTree>
+    <p:extLst>
+      <p:ext uri="{BB962C8B-B14F-4D97-AF65-F5344CB8AC3E}">
+        <p14:creationId xmlns:p14="http://schemas.microsoft.com/office/powerpoint/2010/main" val="1107695987"/>
+      </p:ext>
+    </p:extLst>
+  </p:cSld>
+  <p:clrMapOvr>
+    <a:masterClrMapping/>
+  </p:clrMapOvr>
+  <p:timing>
+    <p:tnLst>
+      <p:par>
+        <p:cTn id="1" dur="indefinite" restart="never" nodeType="tmRoot"/>
+      </p:par>
+    </p:tnLst>
+  </p:timing>
+</p:sld>
+</file>
+
+<file path=ppt/slides/slide17.xml><?xml version="1.0" encoding="utf-8"?>
+<p:sld xmlns:a="http://schemas.openxmlformats.org/drawingml/2006/main" xmlns:r="http://schemas.openxmlformats.org/officeDocument/2006/relationships" xmlns:p="http://schemas.openxmlformats.org/presentationml/2006/main">
+  <p:cSld>
+    <p:spTree>
+      <p:nvGrpSpPr>
+        <p:cNvPr id="1" name=""/>
+        <p:cNvGrpSpPr/>
+        <p:nvPr/>
+      </p:nvGrpSpPr>
+      <p:grpSpPr>
+        <a:xfrm>
+          <a:off x="0" y="0"/>
+          <a:ext cx="0" cy="0"/>
+          <a:chOff x="0" y="0"/>
+          <a:chExt cx="0" cy="0"/>
+        </a:xfrm>
+      </p:grpSpPr>
+      <p:sp>
+        <p:nvSpPr>
           <p:cNvPr id="2" name="1 Título"/>
           <p:cNvSpPr>
             <a:spLocks noGrp="1"/>
@@ -7237,7 +8642,7 @@
 </p:sld>
 </file>
 
-<file path=ppt/slides/slide16.xml><?xml version="1.0" encoding="utf-8"?>
+<file path=ppt/slides/slide18.xml><?xml version="1.0" encoding="utf-8"?>
 <p:sld xmlns:a="http://schemas.openxmlformats.org/drawingml/2006/main" xmlns:r="http://schemas.openxmlformats.org/officeDocument/2006/relationships" xmlns:p="http://schemas.openxmlformats.org/presentationml/2006/main">
   <p:cSld>
     <p:spTree>
@@ -7432,7 +8837,7 @@
 </p:sld>
 </file>
 
-<file path=ppt/slides/slide17.xml><?xml version="1.0" encoding="utf-8"?>
+<file path=ppt/slides/slide19.xml><?xml version="1.0" encoding="utf-8"?>
 <p:sld xmlns:a="http://schemas.openxmlformats.org/drawingml/2006/main" xmlns:r="http://schemas.openxmlformats.org/officeDocument/2006/relationships" xmlns:p="http://schemas.openxmlformats.org/presentationml/2006/main">
   <p:cSld>
     <p:spTree>
@@ -7643,7 +9048,7 @@
 </p:sld>
 </file>
 
-<file path=ppt/slides/slide18.xml><?xml version="1.0" encoding="utf-8"?>
+<file path=ppt/slides/slide2.xml><?xml version="1.0" encoding="utf-8"?>
 <p:sld xmlns:a="http://schemas.openxmlformats.org/drawingml/2006/main" xmlns:r="http://schemas.openxmlformats.org/officeDocument/2006/relationships" xmlns:p="http://schemas.openxmlformats.org/presentationml/2006/main">
   <p:cSld>
     <p:spTree>
@@ -7662,6 +9067,287 @@
       </p:grpSpPr>
       <p:sp>
         <p:nvSpPr>
+          <p:cNvPr id="4" name="Rectángulo 3"/>
+          <p:cNvSpPr/>
+          <p:nvPr/>
+        </p:nvSpPr>
+        <p:spPr>
+          <a:xfrm>
+            <a:off x="1043608" y="1628800"/>
+            <a:ext cx="7056784" cy="4824536"/>
+          </a:xfrm>
+          <a:prstGeom prst="rect">
+            <a:avLst/>
+          </a:prstGeom>
+          <a:solidFill>
+            <a:schemeClr val="bg1"/>
+          </a:solidFill>
+        </p:spPr>
+        <p:style>
+          <a:lnRef idx="2">
+            <a:schemeClr val="accent1">
+              <a:shade val="50000"/>
+            </a:schemeClr>
+          </a:lnRef>
+          <a:fillRef idx="1">
+            <a:schemeClr val="accent1"/>
+          </a:fillRef>
+          <a:effectRef idx="0">
+            <a:schemeClr val="accent1"/>
+          </a:effectRef>
+          <a:fontRef idx="minor">
+            <a:schemeClr val="lt1"/>
+          </a:fontRef>
+        </p:style>
+        <p:txBody>
+          <a:bodyPr rtlCol="0" anchor="ctr"/>
+          <a:lstStyle/>
+          <a:p>
+            <a:pPr algn="ctr"/>
+            <a:endParaRPr lang="es-AR"/>
+          </a:p>
+        </p:txBody>
+      </p:sp>
+      <p:sp>
+        <p:nvSpPr>
+          <p:cNvPr id="2" name="1 Título"/>
+          <p:cNvSpPr>
+            <a:spLocks noGrp="1"/>
+          </p:cNvSpPr>
+          <p:nvPr>
+            <p:ph type="ctrTitle"/>
+          </p:nvPr>
+        </p:nvSpPr>
+        <p:spPr>
+          <a:xfrm>
+            <a:off x="611560" y="476672"/>
+            <a:ext cx="7772400" cy="1470025"/>
+          </a:xfrm>
+        </p:spPr>
+        <p:txBody>
+          <a:bodyPr/>
+          <a:lstStyle/>
+          <a:p>
+            <a:r>
+              <a:rPr lang="es-ES" dirty="0" err="1" smtClean="0"/>
+              <a:t>Topics</a:t>
+            </a:r>
+            <a:endParaRPr lang="es-ES" dirty="0"/>
+          </a:p>
+        </p:txBody>
+      </p:sp>
+      <p:sp>
+        <p:nvSpPr>
+          <p:cNvPr id="3" name="2 Subtítulo"/>
+          <p:cNvSpPr>
+            <a:spLocks noGrp="1"/>
+          </p:cNvSpPr>
+          <p:nvPr>
+            <p:ph type="subTitle" idx="1"/>
+          </p:nvPr>
+        </p:nvSpPr>
+        <p:spPr>
+          <a:xfrm>
+            <a:off x="1187624" y="1628800"/>
+            <a:ext cx="6400800" cy="4968552"/>
+          </a:xfrm>
+        </p:spPr>
+        <p:txBody>
+          <a:bodyPr>
+            <a:normAutofit lnSpcReduction="10000"/>
+          </a:bodyPr>
+          <a:lstStyle/>
+          <a:p>
+            <a:pPr marL="457200" indent="-457200" algn="l">
+              <a:buFont typeface="Arial" panose="020B0604020202020204" pitchFamily="34" charset="0"/>
+              <a:buChar char="•"/>
+            </a:pPr>
+            <a:r>
+              <a:rPr lang="en-US" dirty="0" smtClean="0">
+                <a:solidFill>
+                  <a:schemeClr val="tx1"/>
+                </a:solidFill>
+              </a:rPr>
+              <a:t>What is SSL?</a:t>
+            </a:r>
+          </a:p>
+          <a:p>
+            <a:pPr marL="457200" indent="-457200" algn="l">
+              <a:buFont typeface="Arial" panose="020B0604020202020204" pitchFamily="34" charset="0"/>
+              <a:buChar char="•"/>
+            </a:pPr>
+            <a:r>
+              <a:rPr lang="en-US" dirty="0" smtClean="0">
+                <a:solidFill>
+                  <a:schemeClr val="tx1"/>
+                </a:solidFill>
+              </a:rPr>
+              <a:t>SSL and TLS</a:t>
+            </a:r>
+          </a:p>
+          <a:p>
+            <a:pPr marL="457200" indent="-457200" algn="l">
+              <a:buFont typeface="Arial" panose="020B0604020202020204" pitchFamily="34" charset="0"/>
+              <a:buChar char="•"/>
+            </a:pPr>
+            <a:r>
+              <a:rPr lang="en-US" dirty="0" smtClean="0">
+                <a:solidFill>
+                  <a:schemeClr val="tx1"/>
+                </a:solidFill>
+              </a:rPr>
+              <a:t>How it Works</a:t>
+            </a:r>
+          </a:p>
+          <a:p>
+            <a:pPr marL="457200" indent="-457200" algn="l">
+              <a:buFont typeface="Arial" panose="020B0604020202020204" pitchFamily="34" charset="0"/>
+              <a:buChar char="•"/>
+            </a:pPr>
+            <a:r>
+              <a:rPr lang="en-US" dirty="0" smtClean="0">
+                <a:solidFill>
+                  <a:schemeClr val="tx1"/>
+                </a:solidFill>
+              </a:rPr>
+              <a:t>Certificates</a:t>
+            </a:r>
+          </a:p>
+          <a:p>
+            <a:pPr marL="457200" indent="-457200" algn="l">
+              <a:buFont typeface="Arial" panose="020B0604020202020204" pitchFamily="34" charset="0"/>
+              <a:buChar char="•"/>
+            </a:pPr>
+            <a:r>
+              <a:rPr lang="en-US" dirty="0" smtClean="0">
+                <a:solidFill>
+                  <a:schemeClr val="tx1"/>
+                </a:solidFill>
+              </a:rPr>
+              <a:t>Java</a:t>
+            </a:r>
+          </a:p>
+          <a:p>
+            <a:pPr marL="457200" indent="-457200" algn="l">
+              <a:buFont typeface="Arial" panose="020B0604020202020204" pitchFamily="34" charset="0"/>
+              <a:buChar char="•"/>
+            </a:pPr>
+            <a:r>
+              <a:rPr lang="en-US" dirty="0" smtClean="0">
+                <a:solidFill>
+                  <a:schemeClr val="tx1"/>
+                </a:solidFill>
+              </a:rPr>
+              <a:t>Code examples and use cases</a:t>
+            </a:r>
+          </a:p>
+          <a:p>
+            <a:pPr marL="914400" lvl="1" indent="-457200" algn="l">
+              <a:buFont typeface="Arial" panose="020B0604020202020204" pitchFamily="34" charset="0"/>
+              <a:buChar char="•"/>
+            </a:pPr>
+            <a:r>
+              <a:rPr lang="en-US" dirty="0" smtClean="0">
+                <a:solidFill>
+                  <a:schemeClr val="tx1"/>
+                </a:solidFill>
+              </a:rPr>
+              <a:t>Basic SSL server</a:t>
+            </a:r>
+          </a:p>
+          <a:p>
+            <a:pPr marL="914400" lvl="1" indent="-457200" algn="l">
+              <a:buFont typeface="Arial" panose="020B0604020202020204" pitchFamily="34" charset="0"/>
+              <a:buChar char="•"/>
+            </a:pPr>
+            <a:r>
+              <a:rPr lang="en-US" dirty="0" smtClean="0">
+                <a:solidFill>
+                  <a:schemeClr val="tx1"/>
+                </a:solidFill>
+              </a:rPr>
+              <a:t>Client-Server </a:t>
+            </a:r>
+            <a:r>
+              <a:rPr lang="en-US" dirty="0" err="1" smtClean="0">
+                <a:solidFill>
+                  <a:schemeClr val="tx1"/>
+                </a:solidFill>
+              </a:rPr>
+              <a:t>Auth</a:t>
+            </a:r>
+            <a:endParaRPr lang="en-US" dirty="0" smtClean="0">
+              <a:solidFill>
+                <a:schemeClr val="tx1"/>
+              </a:solidFill>
+            </a:endParaRPr>
+          </a:p>
+          <a:p>
+            <a:pPr marL="914400" lvl="1" indent="-457200" algn="l">
+              <a:buFont typeface="Arial" panose="020B0604020202020204" pitchFamily="34" charset="0"/>
+              <a:buChar char="•"/>
+            </a:pPr>
+            <a:r>
+              <a:rPr lang="en-US" dirty="0" smtClean="0">
+                <a:solidFill>
+                  <a:schemeClr val="tx1"/>
+                </a:solidFill>
+              </a:rPr>
+              <a:t>Do it by your self</a:t>
+            </a:r>
+          </a:p>
+          <a:p>
+            <a:pPr marL="457200" indent="-457200" algn="l">
+              <a:buFont typeface="Arial" panose="020B0604020202020204" pitchFamily="34" charset="0"/>
+              <a:buChar char="•"/>
+            </a:pPr>
+            <a:endParaRPr lang="es-ES" dirty="0">
+              <a:solidFill>
+                <a:schemeClr val="tx1"/>
+              </a:solidFill>
+            </a:endParaRPr>
+          </a:p>
+        </p:txBody>
+      </p:sp>
+    </p:spTree>
+    <p:extLst>
+      <p:ext uri="{BB962C8B-B14F-4D97-AF65-F5344CB8AC3E}">
+        <p14:creationId xmlns:p14="http://schemas.microsoft.com/office/powerpoint/2010/main" val="3872041091"/>
+      </p:ext>
+    </p:extLst>
+  </p:cSld>
+  <p:clrMapOvr>
+    <a:masterClrMapping/>
+  </p:clrMapOvr>
+  <p:timing>
+    <p:tnLst>
+      <p:par>
+        <p:cTn id="1" dur="indefinite" restart="never" nodeType="tmRoot"/>
+      </p:par>
+    </p:tnLst>
+  </p:timing>
+</p:sld>
+</file>
+
+<file path=ppt/slides/slide20.xml><?xml version="1.0" encoding="utf-8"?>
+<p:sld xmlns:a="http://schemas.openxmlformats.org/drawingml/2006/main" xmlns:r="http://schemas.openxmlformats.org/officeDocument/2006/relationships" xmlns:p="http://schemas.openxmlformats.org/presentationml/2006/main">
+  <p:cSld>
+    <p:spTree>
+      <p:nvGrpSpPr>
+        <p:cNvPr id="1" name=""/>
+        <p:cNvGrpSpPr/>
+        <p:nvPr/>
+      </p:nvGrpSpPr>
+      <p:grpSpPr>
+        <a:xfrm>
+          <a:off x="0" y="0"/>
+          <a:ext cx="0" cy="0"/>
+          <a:chOff x="0" y="0"/>
+          <a:chExt cx="0" cy="0"/>
+        </a:xfrm>
+      </p:grpSpPr>
+      <p:sp>
+        <p:nvSpPr>
           <p:cNvPr id="2" name="1 Título"/>
           <p:cNvSpPr>
             <a:spLocks noGrp="1"/>
@@ -7762,7 +9448,7 @@
           <p:nvPr>
             <p:extLst>
               <p:ext uri="{D42A27DB-BD31-4B8C-83A1-F6EECF244321}">
-                <p14:modId xmlns:p14="http://schemas.microsoft.com/office/powerpoint/2010/main" val="213436736"/>
+                <p14:modId xmlns:p14="http://schemas.microsoft.com/office/powerpoint/2010/main" val="2987008902"/>
               </p:ext>
             </p:extLst>
           </p:nvPr>
@@ -7797,7 +9483,7 @@
 </p:sld>
 </file>
 
-<file path=ppt/slides/slide19.xml><?xml version="1.0" encoding="utf-8"?>
+<file path=ppt/slides/slide21.xml><?xml version="1.0" encoding="utf-8"?>
 <p:sld xmlns:a="http://schemas.openxmlformats.org/drawingml/2006/main" xmlns:r="http://schemas.openxmlformats.org/officeDocument/2006/relationships" xmlns:p="http://schemas.openxmlformats.org/presentationml/2006/main">
   <p:cSld>
     <p:spTree>
@@ -7814,49 +9500,6 @@
           <a:chExt cx="0" cy="0"/>
         </a:xfrm>
       </p:grpSpPr>
-      <p:sp>
-        <p:nvSpPr>
-          <p:cNvPr id="2" name="1 Título"/>
-          <p:cNvSpPr>
-            <a:spLocks noGrp="1"/>
-          </p:cNvSpPr>
-          <p:nvPr>
-            <p:ph type="ctrTitle"/>
-          </p:nvPr>
-        </p:nvSpPr>
-        <p:spPr>
-          <a:xfrm>
-            <a:off x="611560" y="476672"/>
-            <a:ext cx="7772400" cy="1470025"/>
-          </a:xfrm>
-        </p:spPr>
-        <p:txBody>
-          <a:bodyPr/>
-          <a:lstStyle/>
-          <a:p>
-            <a:endParaRPr lang="es-ES" dirty="0"/>
-          </a:p>
-        </p:txBody>
-      </p:sp>
-      <p:sp>
-        <p:nvSpPr>
-          <p:cNvPr id="3" name="2 Subtítulo"/>
-          <p:cNvSpPr>
-            <a:spLocks noGrp="1"/>
-          </p:cNvSpPr>
-          <p:nvPr>
-            <p:ph type="subTitle" idx="1"/>
-          </p:nvPr>
-        </p:nvSpPr>
-        <p:spPr/>
-        <p:txBody>
-          <a:bodyPr/>
-          <a:lstStyle/>
-          <a:p>
-            <a:endParaRPr lang="es-ES"/>
-          </a:p>
-        </p:txBody>
-      </p:sp>
       <p:sp>
         <p:nvSpPr>
           <p:cNvPr id="4" name="AutoShape 2" descr="What Are The Different Types Of Certificate Formats? - The Sec Master"/>
@@ -7980,7 +9623,7 @@
 </p:sld>
 </file>
 
-<file path=ppt/slides/slide2.xml><?xml version="1.0" encoding="utf-8"?>
+<file path=ppt/slides/slide3.xml><?xml version="1.0" encoding="utf-8"?>
 <p:sld xmlns:a="http://schemas.openxmlformats.org/drawingml/2006/main" xmlns:r="http://schemas.openxmlformats.org/officeDocument/2006/relationships" xmlns:p="http://schemas.openxmlformats.org/presentationml/2006/main">
   <p:cSld>
     <p:spTree>
@@ -8140,7 +9783,7 @@
 </p:sld>
 </file>
 
-<file path=ppt/slides/slide3.xml><?xml version="1.0" encoding="utf-8"?>
+<file path=ppt/slides/slide4.xml><?xml version="1.0" encoding="utf-8"?>
 <p:sld xmlns:a="http://schemas.openxmlformats.org/drawingml/2006/main" xmlns:r="http://schemas.openxmlformats.org/officeDocument/2006/relationships" xmlns:p="http://schemas.openxmlformats.org/presentationml/2006/main">
   <p:cSld>
     <p:spTree>
@@ -8288,7 +9931,7 @@
 </p:sld>
 </file>
 
-<file path=ppt/slides/slide4.xml><?xml version="1.0" encoding="utf-8"?>
+<file path=ppt/slides/slide5.xml><?xml version="1.0" encoding="utf-8"?>
 <p:sld xmlns:a="http://schemas.openxmlformats.org/drawingml/2006/main" xmlns:r="http://schemas.openxmlformats.org/officeDocument/2006/relationships" xmlns:p="http://schemas.openxmlformats.org/presentationml/2006/main">
   <p:cSld>
     <p:spTree>
@@ -8440,7 +10083,7 @@
 </p:sld>
 </file>
 
-<file path=ppt/slides/slide5.xml><?xml version="1.0" encoding="utf-8"?>
+<file path=ppt/slides/slide6.xml><?xml version="1.0" encoding="utf-8"?>
 <p:sld xmlns:a="http://schemas.openxmlformats.org/drawingml/2006/main" xmlns:r="http://schemas.openxmlformats.org/officeDocument/2006/relationships" xmlns:p="http://schemas.openxmlformats.org/presentationml/2006/main">
   <p:cSld>
     <p:spTree>
@@ -8537,162 +10180,6 @@
           <a:xfrm>
             <a:off x="827584" y="1505566"/>
             <a:ext cx="7467797" cy="4680520"/>
-          </a:xfrm>
-          <a:prstGeom prst="rect">
-            <a:avLst/>
-          </a:prstGeom>
-          <a:noFill/>
-          <a:ln>
-            <a:noFill/>
-          </a:ln>
-          <a:effectLst/>
-          <a:extLst>
-            <a:ext uri="{909E8E84-426E-40DD-AFC4-6F175D3DCCD1}">
-              <a14:hiddenFill xmlns:a14="http://schemas.microsoft.com/office/drawing/2010/main">
-                <a:solidFill>
-                  <a:schemeClr val="accent1"/>
-                </a:solidFill>
-              </a14:hiddenFill>
-            </a:ext>
-            <a:ext uri="{91240B29-F687-4F45-9708-019B960494DF}">
-              <a14:hiddenLine xmlns:a14="http://schemas.microsoft.com/office/drawing/2010/main" w="9525">
-                <a:solidFill>
-                  <a:schemeClr val="tx1"/>
-                </a:solidFill>
-                <a:miter lim="800000"/>
-                <a:headEnd/>
-                <a:tailEnd/>
-              </a14:hiddenLine>
-            </a:ext>
-            <a:ext uri="{AF507438-7753-43E0-B8FC-AC1667EBCBE1}">
-              <a14:hiddenEffects xmlns:a14="http://schemas.microsoft.com/office/drawing/2010/main">
-                <a:effectLst>
-                  <a:outerShdw dist="35921" dir="2700000" algn="ctr" rotWithShape="0">
-                    <a:schemeClr val="bg2"/>
-                  </a:outerShdw>
-                </a:effectLst>
-              </a14:hiddenEffects>
-            </a:ext>
-          </a:extLst>
-        </p:spPr>
-      </p:pic>
-    </p:spTree>
-    <p:extLst>
-      <p:ext uri="{BB962C8B-B14F-4D97-AF65-F5344CB8AC3E}">
-        <p14:creationId xmlns:p14="http://schemas.microsoft.com/office/powerpoint/2010/main" val="3621078399"/>
-      </p:ext>
-    </p:extLst>
-  </p:cSld>
-  <p:clrMapOvr>
-    <a:masterClrMapping/>
-  </p:clrMapOvr>
-  <p:timing>
-    <p:tnLst>
-      <p:par>
-        <p:cTn id="1" dur="indefinite" restart="never" nodeType="tmRoot"/>
-      </p:par>
-    </p:tnLst>
-  </p:timing>
-</p:sld>
-</file>
-
-<file path=ppt/slides/slide6.xml><?xml version="1.0" encoding="utf-8"?>
-<p:sld xmlns:a="http://schemas.openxmlformats.org/drawingml/2006/main" xmlns:r="http://schemas.openxmlformats.org/officeDocument/2006/relationships" xmlns:p="http://schemas.openxmlformats.org/presentationml/2006/main">
-  <p:cSld>
-    <p:spTree>
-      <p:nvGrpSpPr>
-        <p:cNvPr id="1" name=""/>
-        <p:cNvGrpSpPr/>
-        <p:nvPr/>
-      </p:nvGrpSpPr>
-      <p:grpSpPr>
-        <a:xfrm>
-          <a:off x="0" y="0"/>
-          <a:ext cx="0" cy="0"/>
-          <a:chOff x="0" y="0"/>
-          <a:chExt cx="0" cy="0"/>
-        </a:xfrm>
-      </p:grpSpPr>
-      <p:sp>
-        <p:nvSpPr>
-          <p:cNvPr id="2" name="1 Título"/>
-          <p:cNvSpPr>
-            <a:spLocks noGrp="1"/>
-          </p:cNvSpPr>
-          <p:nvPr>
-            <p:ph type="ctrTitle"/>
-          </p:nvPr>
-        </p:nvSpPr>
-        <p:spPr>
-          <a:xfrm>
-            <a:off x="611560" y="476672"/>
-            <a:ext cx="7772400" cy="1470025"/>
-          </a:xfrm>
-        </p:spPr>
-        <p:txBody>
-          <a:bodyPr/>
-          <a:lstStyle/>
-          <a:p>
-            <a:r>
-              <a:rPr lang="es-ES" dirty="0" err="1" smtClean="0"/>
-              <a:t>Symmetric</a:t>
-            </a:r>
-            <a:r>
-              <a:rPr lang="es-ES" dirty="0" smtClean="0"/>
-              <a:t> </a:t>
-            </a:r>
-            <a:r>
-              <a:rPr lang="es-ES" dirty="0" err="1" smtClean="0"/>
-              <a:t>Cryptography</a:t>
-            </a:r>
-            <a:endParaRPr lang="es-ES" dirty="0"/>
-          </a:p>
-        </p:txBody>
-      </p:sp>
-      <p:sp>
-        <p:nvSpPr>
-          <p:cNvPr id="3" name="2 Subtítulo"/>
-          <p:cNvSpPr>
-            <a:spLocks noGrp="1"/>
-          </p:cNvSpPr>
-          <p:nvPr>
-            <p:ph type="subTitle" idx="1"/>
-          </p:nvPr>
-        </p:nvSpPr>
-        <p:spPr/>
-        <p:txBody>
-          <a:bodyPr/>
-          <a:lstStyle/>
-          <a:p>
-            <a:endParaRPr lang="es-ES"/>
-          </a:p>
-        </p:txBody>
-      </p:sp>
-      <p:pic>
-        <p:nvPicPr>
-          <p:cNvPr id="4098" name="Picture 2"/>
-          <p:cNvPicPr>
-            <a:picLocks noChangeAspect="1" noChangeArrowheads="1"/>
-          </p:cNvPicPr>
-          <p:nvPr/>
-        </p:nvPicPr>
-        <p:blipFill>
-          <a:blip r:embed="rId2">
-            <a:extLst>
-              <a:ext uri="{28A0092B-C50C-407E-A947-70E740481C1C}">
-                <a14:useLocalDpi xmlns:a14="http://schemas.microsoft.com/office/drawing/2010/main" val="0"/>
-              </a:ext>
-            </a:extLst>
-          </a:blip>
-          <a:srcRect/>
-          <a:stretch>
-            <a:fillRect/>
-          </a:stretch>
-        </p:blipFill>
-        <p:spPr bwMode="auto">
-          <a:xfrm>
-            <a:off x="171450" y="1866900"/>
-            <a:ext cx="8801100" cy="3124200"/>
           </a:xfrm>
           <a:prstGeom prst="rect">
             <a:avLst/>
@@ -8791,6 +10278,162 @@
           <a:p>
             <a:r>
               <a:rPr lang="es-ES" dirty="0" err="1" smtClean="0"/>
+              <a:t>Symmetric</a:t>
+            </a:r>
+            <a:r>
+              <a:rPr lang="es-ES" dirty="0" smtClean="0"/>
+              <a:t> </a:t>
+            </a:r>
+            <a:r>
+              <a:rPr lang="es-ES" dirty="0" err="1" smtClean="0"/>
+              <a:t>Cryptography</a:t>
+            </a:r>
+            <a:endParaRPr lang="es-ES" dirty="0"/>
+          </a:p>
+        </p:txBody>
+      </p:sp>
+      <p:sp>
+        <p:nvSpPr>
+          <p:cNvPr id="3" name="2 Subtítulo"/>
+          <p:cNvSpPr>
+            <a:spLocks noGrp="1"/>
+          </p:cNvSpPr>
+          <p:nvPr>
+            <p:ph type="subTitle" idx="1"/>
+          </p:nvPr>
+        </p:nvSpPr>
+        <p:spPr/>
+        <p:txBody>
+          <a:bodyPr/>
+          <a:lstStyle/>
+          <a:p>
+            <a:endParaRPr lang="es-ES"/>
+          </a:p>
+        </p:txBody>
+      </p:sp>
+      <p:pic>
+        <p:nvPicPr>
+          <p:cNvPr id="4098" name="Picture 2"/>
+          <p:cNvPicPr>
+            <a:picLocks noChangeAspect="1" noChangeArrowheads="1"/>
+          </p:cNvPicPr>
+          <p:nvPr/>
+        </p:nvPicPr>
+        <p:blipFill>
+          <a:blip r:embed="rId2">
+            <a:extLst>
+              <a:ext uri="{28A0092B-C50C-407E-A947-70E740481C1C}">
+                <a14:useLocalDpi xmlns:a14="http://schemas.microsoft.com/office/drawing/2010/main" val="0"/>
+              </a:ext>
+            </a:extLst>
+          </a:blip>
+          <a:srcRect/>
+          <a:stretch>
+            <a:fillRect/>
+          </a:stretch>
+        </p:blipFill>
+        <p:spPr bwMode="auto">
+          <a:xfrm>
+            <a:off x="171450" y="1866900"/>
+            <a:ext cx="8801100" cy="3124200"/>
+          </a:xfrm>
+          <a:prstGeom prst="rect">
+            <a:avLst/>
+          </a:prstGeom>
+          <a:noFill/>
+          <a:ln>
+            <a:noFill/>
+          </a:ln>
+          <a:effectLst/>
+          <a:extLst>
+            <a:ext uri="{909E8E84-426E-40DD-AFC4-6F175D3DCCD1}">
+              <a14:hiddenFill xmlns:a14="http://schemas.microsoft.com/office/drawing/2010/main">
+                <a:solidFill>
+                  <a:schemeClr val="accent1"/>
+                </a:solidFill>
+              </a14:hiddenFill>
+            </a:ext>
+            <a:ext uri="{91240B29-F687-4F45-9708-019B960494DF}">
+              <a14:hiddenLine xmlns:a14="http://schemas.microsoft.com/office/drawing/2010/main" w="9525">
+                <a:solidFill>
+                  <a:schemeClr val="tx1"/>
+                </a:solidFill>
+                <a:miter lim="800000"/>
+                <a:headEnd/>
+                <a:tailEnd/>
+              </a14:hiddenLine>
+            </a:ext>
+            <a:ext uri="{AF507438-7753-43E0-B8FC-AC1667EBCBE1}">
+              <a14:hiddenEffects xmlns:a14="http://schemas.microsoft.com/office/drawing/2010/main">
+                <a:effectLst>
+                  <a:outerShdw dist="35921" dir="2700000" algn="ctr" rotWithShape="0">
+                    <a:schemeClr val="bg2"/>
+                  </a:outerShdw>
+                </a:effectLst>
+              </a14:hiddenEffects>
+            </a:ext>
+          </a:extLst>
+        </p:spPr>
+      </p:pic>
+    </p:spTree>
+    <p:extLst>
+      <p:ext uri="{BB962C8B-B14F-4D97-AF65-F5344CB8AC3E}">
+        <p14:creationId xmlns:p14="http://schemas.microsoft.com/office/powerpoint/2010/main" val="3621078399"/>
+      </p:ext>
+    </p:extLst>
+  </p:cSld>
+  <p:clrMapOvr>
+    <a:masterClrMapping/>
+  </p:clrMapOvr>
+  <p:timing>
+    <p:tnLst>
+      <p:par>
+        <p:cTn id="1" dur="indefinite" restart="never" nodeType="tmRoot"/>
+      </p:par>
+    </p:tnLst>
+  </p:timing>
+</p:sld>
+</file>
+
+<file path=ppt/slides/slide8.xml><?xml version="1.0" encoding="utf-8"?>
+<p:sld xmlns:a="http://schemas.openxmlformats.org/drawingml/2006/main" xmlns:r="http://schemas.openxmlformats.org/officeDocument/2006/relationships" xmlns:p="http://schemas.openxmlformats.org/presentationml/2006/main">
+  <p:cSld>
+    <p:spTree>
+      <p:nvGrpSpPr>
+        <p:cNvPr id="1" name=""/>
+        <p:cNvGrpSpPr/>
+        <p:nvPr/>
+      </p:nvGrpSpPr>
+      <p:grpSpPr>
+        <a:xfrm>
+          <a:off x="0" y="0"/>
+          <a:ext cx="0" cy="0"/>
+          <a:chOff x="0" y="0"/>
+          <a:chExt cx="0" cy="0"/>
+        </a:xfrm>
+      </p:grpSpPr>
+      <p:sp>
+        <p:nvSpPr>
+          <p:cNvPr id="2" name="1 Título"/>
+          <p:cNvSpPr>
+            <a:spLocks noGrp="1"/>
+          </p:cNvSpPr>
+          <p:nvPr>
+            <p:ph type="ctrTitle"/>
+          </p:nvPr>
+        </p:nvSpPr>
+        <p:spPr>
+          <a:xfrm>
+            <a:off x="611560" y="476672"/>
+            <a:ext cx="7772400" cy="1470025"/>
+          </a:xfrm>
+        </p:spPr>
+        <p:txBody>
+          <a:bodyPr/>
+          <a:lstStyle/>
+          <a:p>
+            <a:r>
+              <a:rPr lang="es-ES" dirty="0" err="1" smtClean="0"/>
               <a:t>Asymmetric</a:t>
             </a:r>
             <a:r>
@@ -8908,7 +10551,7 @@
 </p:sld>
 </file>
 
-<file path=ppt/slides/slide8.xml><?xml version="1.0" encoding="utf-8"?>
+<file path=ppt/slides/slide9.xml><?xml version="1.0" encoding="utf-8"?>
 <p:sld xmlns:a="http://schemas.openxmlformats.org/drawingml/2006/main" xmlns:r="http://schemas.openxmlformats.org/officeDocument/2006/relationships" xmlns:p="http://schemas.openxmlformats.org/presentationml/2006/main">
   <p:cSld>
     <p:spTree>
@@ -9040,158 +10683,6 @@
           <a:xfrm>
             <a:off x="147638" y="2205038"/>
             <a:ext cx="8848725" cy="2447925"/>
-          </a:xfrm>
-          <a:prstGeom prst="rect">
-            <a:avLst/>
-          </a:prstGeom>
-          <a:noFill/>
-          <a:ln>
-            <a:noFill/>
-          </a:ln>
-          <a:effectLst/>
-          <a:extLst>
-            <a:ext uri="{909E8E84-426E-40DD-AFC4-6F175D3DCCD1}">
-              <a14:hiddenFill xmlns:a14="http://schemas.microsoft.com/office/drawing/2010/main">
-                <a:solidFill>
-                  <a:schemeClr val="accent1"/>
-                </a:solidFill>
-              </a14:hiddenFill>
-            </a:ext>
-            <a:ext uri="{91240B29-F687-4F45-9708-019B960494DF}">
-              <a14:hiddenLine xmlns:a14="http://schemas.microsoft.com/office/drawing/2010/main" w="9525">
-                <a:solidFill>
-                  <a:schemeClr val="tx1"/>
-                </a:solidFill>
-                <a:miter lim="800000"/>
-                <a:headEnd/>
-                <a:tailEnd/>
-              </a14:hiddenLine>
-            </a:ext>
-            <a:ext uri="{AF507438-7753-43E0-B8FC-AC1667EBCBE1}">
-              <a14:hiddenEffects xmlns:a14="http://schemas.microsoft.com/office/drawing/2010/main">
-                <a:effectLst>
-                  <a:outerShdw dist="35921" dir="2700000" algn="ctr" rotWithShape="0">
-                    <a:schemeClr val="bg2"/>
-                  </a:outerShdw>
-                </a:effectLst>
-              </a14:hiddenEffects>
-            </a:ext>
-          </a:extLst>
-        </p:spPr>
-      </p:pic>
-    </p:spTree>
-    <p:extLst>
-      <p:ext uri="{BB962C8B-B14F-4D97-AF65-F5344CB8AC3E}">
-        <p14:creationId xmlns:p14="http://schemas.microsoft.com/office/powerpoint/2010/main" val="3621078399"/>
-      </p:ext>
-    </p:extLst>
-  </p:cSld>
-  <p:clrMapOvr>
-    <a:masterClrMapping/>
-  </p:clrMapOvr>
-  <p:timing>
-    <p:tnLst>
-      <p:par>
-        <p:cTn id="1" dur="indefinite" restart="never" nodeType="tmRoot"/>
-      </p:par>
-    </p:tnLst>
-  </p:timing>
-</p:sld>
-</file>
-
-<file path=ppt/slides/slide9.xml><?xml version="1.0" encoding="utf-8"?>
-<p:sld xmlns:a="http://schemas.openxmlformats.org/drawingml/2006/main" xmlns:r="http://schemas.openxmlformats.org/officeDocument/2006/relationships" xmlns:p="http://schemas.openxmlformats.org/presentationml/2006/main">
-  <p:cSld>
-    <p:spTree>
-      <p:nvGrpSpPr>
-        <p:cNvPr id="1" name=""/>
-        <p:cNvGrpSpPr/>
-        <p:nvPr/>
-      </p:nvGrpSpPr>
-      <p:grpSpPr>
-        <a:xfrm>
-          <a:off x="0" y="0"/>
-          <a:ext cx="0" cy="0"/>
-          <a:chOff x="0" y="0"/>
-          <a:chExt cx="0" cy="0"/>
-        </a:xfrm>
-      </p:grpSpPr>
-      <p:sp>
-        <p:nvSpPr>
-          <p:cNvPr id="2" name="1 Título"/>
-          <p:cNvSpPr>
-            <a:spLocks noGrp="1"/>
-          </p:cNvSpPr>
-          <p:nvPr>
-            <p:ph type="ctrTitle"/>
-          </p:nvPr>
-        </p:nvSpPr>
-        <p:spPr>
-          <a:xfrm>
-            <a:off x="611560" y="476672"/>
-            <a:ext cx="7772400" cy="1470025"/>
-          </a:xfrm>
-        </p:spPr>
-        <p:txBody>
-          <a:bodyPr/>
-          <a:lstStyle/>
-          <a:p>
-            <a:r>
-              <a:rPr lang="es-ES" dirty="0" smtClean="0"/>
-              <a:t>Complete </a:t>
-            </a:r>
-            <a:r>
-              <a:rPr lang="es-ES" dirty="0" err="1" smtClean="0"/>
-              <a:t>process</a:t>
-            </a:r>
-            <a:endParaRPr lang="es-ES" dirty="0"/>
-          </a:p>
-        </p:txBody>
-      </p:sp>
-      <p:sp>
-        <p:nvSpPr>
-          <p:cNvPr id="3" name="2 Subtítulo"/>
-          <p:cNvSpPr>
-            <a:spLocks noGrp="1"/>
-          </p:cNvSpPr>
-          <p:nvPr>
-            <p:ph type="subTitle" idx="1"/>
-          </p:nvPr>
-        </p:nvSpPr>
-        <p:spPr/>
-        <p:txBody>
-          <a:bodyPr/>
-          <a:lstStyle/>
-          <a:p>
-            <a:endParaRPr lang="es-ES"/>
-          </a:p>
-        </p:txBody>
-      </p:sp>
-      <p:pic>
-        <p:nvPicPr>
-          <p:cNvPr id="6145" name="Picture 1"/>
-          <p:cNvPicPr>
-            <a:picLocks noChangeAspect="1" noChangeArrowheads="1"/>
-          </p:cNvPicPr>
-          <p:nvPr/>
-        </p:nvPicPr>
-        <p:blipFill>
-          <a:blip r:embed="rId2">
-            <a:extLst>
-              <a:ext uri="{28A0092B-C50C-407E-A947-70E740481C1C}">
-                <a14:useLocalDpi xmlns:a14="http://schemas.microsoft.com/office/drawing/2010/main" val="0"/>
-              </a:ext>
-            </a:extLst>
-          </a:blip>
-          <a:srcRect/>
-          <a:stretch>
-            <a:fillRect/>
-          </a:stretch>
-        </p:blipFill>
-        <p:spPr bwMode="auto">
-          <a:xfrm>
-            <a:off x="1014408" y="1628800"/>
-            <a:ext cx="7124700" cy="5000625"/>
           </a:xfrm>
           <a:prstGeom prst="rect">
             <a:avLst/>
